--- a/DM_14_project.pptx
+++ b/DM_14_project.pptx
@@ -151,8 +151,8 @@
 <file path=ppt/revisionInfo.xml><?xml version="1.0" encoding="utf-8"?>
 <p1510:revInfo xmlns:a="http://schemas.openxmlformats.org/drawingml/2006/main" xmlns:r="http://schemas.openxmlformats.org/officeDocument/2006/relationships" xmlns:p1510="http://schemas.microsoft.com/office/powerpoint/2015/10/main">
   <p1510:revLst>
-    <p1510:client id="{11124D39-690C-4011-8E98-B0F6F8C8D111}" v="105" dt="2022-01-17T17:48:47.168"/>
-    <p1510:client id="{4934206C-0013-4625-9D36-2311BF019665}" v="54" dt="2022-01-17T17:50:58.887"/>
+    <p1510:client id="{11124D39-690C-4011-8E98-B0F6F8C8D111}" v="156" dt="2022-01-23T10:57:41.979"/>
+    <p1510:client id="{4934206C-0013-4625-9D36-2311BF019665}" v="98" dt="2022-01-23T11:09:38.238"/>
   </p1510:revLst>
 </p1510:revInfo>
 </file>
@@ -393,7 +393,7 @@
             <a:pPr rtl="0"/>
             <a:fld id="{AD5349E3-2257-46A2-87AA-98208788B886}" type="datetime1">
               <a:rPr lang="it-IT" noProof="0" smtClean="0"/>
-              <a:t>22/01/2022</a:t>
+              <a:t>23/01/2022</a:t>
             </a:fld>
             <a:endParaRPr lang="it-IT" noProof="0"/>
           </a:p>
@@ -2358,7 +2358,7 @@
               <a:rPr lang="it-IT" noProof="0" smtClean="0">
                 <a:latin typeface="+mn-lt"/>
               </a:rPr>
-              <a:t>22 gennaio 2022</a:t>
+              <a:t>23 gennaio 2022</a:t>
             </a:fld>
             <a:endParaRPr lang="it-IT" noProof="0">
               <a:latin typeface="+mn-lt"/>
@@ -2697,7 +2697,7 @@
               <a:rPr lang="it-IT" noProof="0" smtClean="0">
                 <a:latin typeface="+mn-lt"/>
               </a:rPr>
-              <a:t>22 gennaio 2022</a:t>
+              <a:t>23 gennaio 2022</a:t>
             </a:fld>
             <a:endParaRPr lang="it-IT" noProof="0">
               <a:latin typeface="+mn-lt"/>
@@ -2960,7 +2960,7 @@
               <a:rPr lang="it-IT" noProof="0" smtClean="0">
                 <a:latin typeface="+mn-lt"/>
               </a:rPr>
-              <a:t>22 gennaio 2022</a:t>
+              <a:t>23 gennaio 2022</a:t>
             </a:fld>
             <a:endParaRPr lang="it-IT" noProof="0">
               <a:latin typeface="+mn-lt"/>
@@ -3314,7 +3314,7 @@
               <a:rPr lang="it-IT" noProof="0" smtClean="0">
                 <a:latin typeface="+mn-lt"/>
               </a:rPr>
-              <a:t>22 gennaio 2022</a:t>
+              <a:t>23 gennaio 2022</a:t>
             </a:fld>
             <a:endParaRPr lang="it-IT" noProof="0">
               <a:latin typeface="+mn-lt"/>
@@ -3676,7 +3676,7 @@
               <a:rPr lang="it-IT" noProof="0" smtClean="0">
                 <a:latin typeface="+mn-lt"/>
               </a:rPr>
-              <a:t>22 gennaio 2022</a:t>
+              <a:t>23 gennaio 2022</a:t>
             </a:fld>
             <a:endParaRPr lang="it-IT" noProof="0">
               <a:latin typeface="+mn-lt"/>
@@ -4065,7 +4065,7 @@
               <a:rPr lang="it-IT" noProof="0" smtClean="0">
                 <a:latin typeface="+mn-lt"/>
               </a:rPr>
-              <a:t>22 gennaio 2022</a:t>
+              <a:t>23 gennaio 2022</a:t>
             </a:fld>
             <a:endParaRPr lang="it-IT" noProof="0">
               <a:latin typeface="+mn-lt"/>
@@ -4550,7 +4550,7 @@
               <a:rPr lang="it-IT" noProof="0" smtClean="0">
                 <a:latin typeface="+mn-lt"/>
               </a:rPr>
-              <a:t>22 gennaio 2022</a:t>
+              <a:t>23 gennaio 2022</a:t>
             </a:fld>
             <a:endParaRPr lang="it-IT" noProof="0">
               <a:latin typeface="+mn-lt"/>
@@ -4770,7 +4770,7 @@
               <a:rPr lang="it-IT" noProof="0" smtClean="0">
                 <a:latin typeface="+mn-lt"/>
               </a:rPr>
-              <a:t>22 gennaio 2022</a:t>
+              <a:t>23 gennaio 2022</a:t>
             </a:fld>
             <a:endParaRPr lang="it-IT" noProof="0">
               <a:latin typeface="+mn-lt"/>
@@ -4996,7 +4996,7 @@
               <a:rPr lang="it-IT" noProof="0" smtClean="0">
                 <a:latin typeface="+mn-lt"/>
               </a:rPr>
-              <a:t>22 gennaio 2022</a:t>
+              <a:t>23 gennaio 2022</a:t>
             </a:fld>
             <a:endParaRPr lang="it-IT" noProof="0">
               <a:latin typeface="+mn-lt"/>
@@ -6627,7 +6627,7 @@
               <a:rPr lang="it-IT" noProof="0" smtClean="0">
                 <a:latin typeface="+mn-lt"/>
               </a:rPr>
-              <a:t>22 gennaio 2022</a:t>
+              <a:t>23 gennaio 2022</a:t>
             </a:fld>
             <a:endParaRPr lang="it-IT" noProof="0">
               <a:latin typeface="+mn-lt"/>
@@ -6915,7 +6915,7 @@
               <a:rPr lang="it-IT" noProof="0" smtClean="0">
                 <a:latin typeface="+mn-lt"/>
               </a:rPr>
-              <a:t>22 gennaio 2022</a:t>
+              <a:t>23 gennaio 2022</a:t>
             </a:fld>
             <a:endParaRPr lang="it-IT" noProof="0">
               <a:latin typeface="+mn-lt"/>
@@ -7976,7 +7976,7 @@
               <a:rPr lang="it-IT" noProof="0" smtClean="0">
                 <a:latin typeface="+mn-lt"/>
               </a:rPr>
-              <a:t>22 gennaio 2022</a:t>
+              <a:t>23 gennaio 2022</a:t>
             </a:fld>
             <a:endParaRPr lang="it-IT" noProof="0">
               <a:latin typeface="+mn-lt"/>
@@ -9645,7 +9645,7 @@
               <a:rPr lang="it-IT" noProof="0" smtClean="0">
                 <a:latin typeface="+mn-lt"/>
               </a:rPr>
-              <a:t>22 gennaio 2022</a:t>
+              <a:t>23 gennaio 2022</a:t>
             </a:fld>
             <a:endParaRPr lang="it-IT" noProof="0">
               <a:latin typeface="+mn-lt"/>
@@ -10285,7 +10285,7 @@
               <a:rPr lang="it-IT" noProof="0" smtClean="0">
                 <a:latin typeface="+mn-lt"/>
               </a:rPr>
-              <a:t>22 gennaio 2022</a:t>
+              <a:t>23 gennaio 2022</a:t>
             </a:fld>
             <a:endParaRPr lang="it-IT" noProof="0">
               <a:latin typeface="+mn-lt"/>
@@ -10588,7 +10588,7 @@
               <a:rPr lang="it-IT" noProof="0" smtClean="0">
                 <a:latin typeface="+mn-lt"/>
               </a:rPr>
-              <a:t>22 gennaio 2022</a:t>
+              <a:t>23 gennaio 2022</a:t>
             </a:fld>
             <a:endParaRPr lang="it-IT" noProof="0">
               <a:latin typeface="+mn-lt"/>
@@ -10901,7 +10901,7 @@
               <a:rPr lang="it-IT" noProof="0" smtClean="0">
                 <a:latin typeface="+mn-lt"/>
               </a:rPr>
-              <a:t>22 gennaio 2022</a:t>
+              <a:t>23 gennaio 2022</a:t>
             </a:fld>
             <a:endParaRPr lang="it-IT" noProof="0">
               <a:latin typeface="+mn-lt"/>
@@ -11310,7 +11310,7 @@
               <a:rPr lang="it-IT" noProof="0" smtClean="0">
                 <a:latin typeface="+mn-lt"/>
               </a:rPr>
-              <a:t>22 gennaio 2022</a:t>
+              <a:t>23 gennaio 2022</a:t>
             </a:fld>
             <a:endParaRPr lang="it-IT" noProof="0">
               <a:latin typeface="+mn-lt"/>
@@ -11474,7 +11474,7 @@
               <a:rPr lang="it-IT" noProof="0" smtClean="0">
                 <a:latin typeface="+mn-lt"/>
               </a:rPr>
-              <a:t>22 gennaio 2022</a:t>
+              <a:t>23 gennaio 2022</a:t>
             </a:fld>
             <a:endParaRPr lang="it-IT" noProof="0">
               <a:latin typeface="+mn-lt"/>
@@ -11615,7 +11615,7 @@
               <a:rPr lang="it-IT" noProof="0" smtClean="0">
                 <a:latin typeface="+mn-lt"/>
               </a:rPr>
-              <a:t>22 gennaio 2022</a:t>
+              <a:t>23 gennaio 2022</a:t>
             </a:fld>
             <a:endParaRPr lang="it-IT" noProof="0">
               <a:latin typeface="+mn-lt"/>
@@ -11885,7 +11885,7 @@
               <a:rPr lang="it-IT" noProof="0" smtClean="0">
                 <a:latin typeface="+mn-lt"/>
               </a:rPr>
-              <a:t>22 gennaio 2022</a:t>
+              <a:t>23 gennaio 2022</a:t>
             </a:fld>
             <a:endParaRPr lang="it-IT" noProof="0">
               <a:latin typeface="+mn-lt"/>
@@ -12215,7 +12215,7 @@
               <a:rPr lang="it-IT" noProof="0" smtClean="0">
                 <a:latin typeface="+mn-lt"/>
               </a:rPr>
-              <a:t>22 gennaio 2022</a:t>
+              <a:t>23 gennaio 2022</a:t>
             </a:fld>
             <a:endParaRPr lang="it-IT" noProof="0">
               <a:latin typeface="+mn-lt"/>
@@ -12581,7 +12581,7 @@
               <a:rPr lang="it-IT" noProof="0" smtClean="0">
                 <a:latin typeface="+mn-lt"/>
               </a:rPr>
-              <a:t>22 gennaio 2022</a:t>
+              <a:t>23 gennaio 2022</a:t>
             </a:fld>
             <a:endParaRPr lang="it-IT" noProof="0">
               <a:latin typeface="+mn-lt"/>
@@ -13262,7 +13262,7 @@
                   <a:schemeClr val="tx1"/>
                 </a:solidFill>
               </a:rPr>
-              <a:t>17 dicembre 2021</a:t>
+              <a:t>25 gennaio 2022</a:t>
             </a:r>
           </a:p>
         </p:txBody>
@@ -14466,19 +14466,19 @@
               <a:buChar char="•"/>
             </a:pPr>
             <a:r>
-              <a:rPr lang="en-GB" sz="1600"/>
+              <a:rPr lang="en-GB" sz="1600" dirty="0"/>
               <a:t>The </a:t>
             </a:r>
             <a:r>
-              <a:rPr lang="en-GB" sz="1600" b="1"/>
+              <a:rPr lang="en-GB" sz="1600" b="1" dirty="0"/>
               <a:t>results are really underwhelming</a:t>
             </a:r>
             <a:r>
-              <a:rPr lang="en-GB" sz="1600"/>
+              <a:rPr lang="en-GB" sz="1600" dirty="0"/>
               <a:t>, all the players fall in the </a:t>
             </a:r>
             <a:r>
-              <a:rPr lang="en-GB" sz="1600" b="1"/>
+              <a:rPr lang="en-GB" sz="1600" b="1" dirty="0"/>
               <a:t>same cluster.</a:t>
             </a:r>
           </a:p>
@@ -14487,7 +14487,7 @@
               <a:buFont typeface="Arial" panose="020B0604020202020204" pitchFamily="34" charset="0"/>
               <a:buChar char="•"/>
             </a:pPr>
-            <a:endParaRPr lang="en-GB" sz="1600"/>
+            <a:endParaRPr lang="en-GB" sz="1600" dirty="0"/>
           </a:p>
           <a:p>
             <a:pPr marL="285750" indent="-285750">
@@ -14495,16 +14495,16 @@
               <a:buChar char="•"/>
             </a:pPr>
             <a:r>
-              <a:rPr lang="en-GB" sz="1600" b="1"/>
+              <a:rPr lang="en-GB" sz="1600" b="1" dirty="0"/>
               <a:t>The noise points are the best and worst players plus some players that have done some exploits </a:t>
             </a:r>
             <a:r>
-              <a:rPr lang="en-GB" sz="1600"/>
-              <a:t>(like winning minor tournaments.</a:t>
-            </a:r>
-          </a:p>
-          <a:p>
-            <a:endParaRPr lang="it-IT" sz="1600"/>
+              <a:rPr lang="en-GB" sz="1600" dirty="0"/>
+              <a:t>(like winning minor tournaments).</a:t>
+            </a:r>
+          </a:p>
+          <a:p>
+            <a:endParaRPr lang="it-IT" sz="1600" dirty="0"/>
           </a:p>
         </p:txBody>
       </p:sp>
@@ -16185,9 +16185,13 @@
             </a:r>
             <a:r>
               <a:rPr lang="it-IT" sz="1600"/>
-              <a:t> 1600 players</a:t>
-            </a:r>
-            <a:endParaRPr lang="en-US" sz="1600"/>
+              <a:t> </a:t>
+            </a:r>
+            <a:r>
+              <a:rPr lang="it-IT" sz="1600" b="1"/>
+              <a:t>1600 players</a:t>
+            </a:r>
+            <a:endParaRPr lang="en-US" sz="1600" b="1"/>
           </a:p>
         </p:txBody>
       </p:sp>
@@ -16418,8 +16422,12 @@
           <a:lstStyle/>
           <a:p>
             <a:r>
+              <a:rPr lang="it-IT" sz="1600" b="1"/>
+              <a:t>Over-sampling</a:t>
+            </a:r>
+            <a:r>
               <a:rPr lang="it-IT" sz="1600"/>
-              <a:t>Over-sampling by </a:t>
+              <a:t> by </a:t>
             </a:r>
             <a:r>
               <a:rPr lang="it-IT" sz="1600" err="1"/>
@@ -16427,7 +16435,23 @@
             </a:r>
             <a:r>
               <a:rPr lang="it-IT" sz="1600"/>
-              <a:t> SMOTE and under-sampling in order to </a:t>
+              <a:t> </a:t>
+            </a:r>
+            <a:r>
+              <a:rPr lang="it-IT" sz="1600" b="1"/>
+              <a:t>SMOTE</a:t>
+            </a:r>
+            <a:r>
+              <a:rPr lang="it-IT" sz="1600"/>
+              <a:t> and </a:t>
+            </a:r>
+            <a:r>
+              <a:rPr lang="it-IT" sz="1600" b="1"/>
+              <a:t>under-sampling</a:t>
+            </a:r>
+            <a:r>
+              <a:rPr lang="it-IT" sz="1600"/>
+              <a:t> in order to </a:t>
             </a:r>
             <a:r>
               <a:rPr lang="it-IT" sz="1600" err="1"/>
@@ -16435,23 +16459,39 @@
             </a:r>
             <a:r>
               <a:rPr lang="it-IT" sz="1600"/>
-              <a:t> a 55/45 </a:t>
-            </a:r>
-            <a:r>
-              <a:rPr lang="it-IT" sz="1600" err="1"/>
+              <a:t> a </a:t>
+            </a:r>
+            <a:r>
+              <a:rPr lang="it-IT" sz="1600" b="1"/>
+              <a:t>55/45 </a:t>
+            </a:r>
+            <a:r>
+              <a:rPr lang="it-IT" sz="1600" b="1" err="1"/>
               <a:t>distribution</a:t>
             </a:r>
             <a:r>
+              <a:rPr lang="it-IT" sz="1600" b="1"/>
+              <a:t> </a:t>
+            </a:r>
+            <a:r>
               <a:rPr lang="it-IT" sz="1600"/>
-              <a:t> for the </a:t>
-            </a:r>
-            <a:r>
-              <a:rPr lang="it-IT" sz="1600" err="1"/>
+              <a:t>for the </a:t>
+            </a:r>
+            <a:r>
+              <a:rPr lang="it-IT" sz="1600" b="1" err="1"/>
               <a:t>weak</a:t>
             </a:r>
             <a:r>
               <a:rPr lang="it-IT" sz="1600"/>
-              <a:t> and the strong class, </a:t>
+              <a:t> and the </a:t>
+            </a:r>
+            <a:r>
+              <a:rPr lang="it-IT" sz="1600" b="1"/>
+              <a:t>strong</a:t>
+            </a:r>
+            <a:r>
+              <a:rPr lang="it-IT" sz="1600"/>
+              <a:t> class, </a:t>
             </a:r>
             <a:r>
               <a:rPr lang="it-IT" sz="1600" err="1"/>
@@ -17073,10 +17113,10 @@
           <a:p>
             <a:pPr algn="ctr"/>
             <a:r>
-              <a:rPr lang="it-IT" sz="1400"/>
+              <a:rPr lang="it-IT" sz="1400" b="1"/>
               <a:t>Development set: 85%</a:t>
             </a:r>
-            <a:endParaRPr lang="en-US" sz="1400"/>
+            <a:endParaRPr lang="en-US" sz="1400" b="1"/>
           </a:p>
         </p:txBody>
       </p:sp>
@@ -17110,10 +17150,10 @@
           <a:p>
             <a:pPr algn="ctr"/>
             <a:r>
-              <a:rPr lang="it-IT" sz="1400"/>
+              <a:rPr lang="it-IT" sz="1400" b="1"/>
               <a:t>Test set: 15%</a:t>
             </a:r>
-            <a:endParaRPr lang="en-US" sz="1400"/>
+            <a:endParaRPr lang="en-US" sz="1400" b="1"/>
           </a:p>
         </p:txBody>
       </p:sp>
@@ -17269,7 +17309,15 @@
             </a:r>
             <a:r>
               <a:rPr lang="it-IT"/>
-              <a:t> split the dataset </a:t>
+              <a:t> split the </a:t>
+            </a:r>
+            <a:r>
+              <a:rPr lang="it-IT" b="1"/>
+              <a:t>dataset</a:t>
+            </a:r>
+            <a:r>
+              <a:rPr lang="it-IT"/>
+              <a:t> </a:t>
             </a:r>
             <a:r>
               <a:rPr lang="it-IT" err="1"/>
@@ -17277,15 +17325,31 @@
             </a:r>
             <a:r>
               <a:rPr lang="it-IT"/>
-              <a:t> male and </a:t>
-            </a:r>
-            <a:r>
-              <a:rPr lang="it-IT" err="1"/>
+              <a:t> </a:t>
+            </a:r>
+            <a:r>
+              <a:rPr lang="it-IT" b="1"/>
+              <a:t>male</a:t>
+            </a:r>
+            <a:r>
+              <a:rPr lang="it-IT"/>
+              <a:t> and </a:t>
+            </a:r>
+            <a:r>
+              <a:rPr lang="it-IT" b="1" err="1"/>
               <a:t>female</a:t>
             </a:r>
             <a:r>
               <a:rPr lang="it-IT"/>
-              <a:t> players, </a:t>
+              <a:t> </a:t>
+            </a:r>
+            <a:r>
+              <a:rPr lang="it-IT" b="1"/>
+              <a:t>players</a:t>
+            </a:r>
+            <a:r>
+              <a:rPr lang="it-IT"/>
+              <a:t>, </a:t>
             </a:r>
             <a:r>
               <a:rPr lang="it-IT" err="1"/>
@@ -17301,7 +17365,15 @@
             </a:r>
             <a:r>
               <a:rPr lang="it-IT"/>
-              <a:t> some models </a:t>
+              <a:t> </a:t>
+            </a:r>
+            <a:r>
+              <a:rPr lang="it-IT" b="1"/>
+              <a:t>some models</a:t>
+            </a:r>
+            <a:r>
+              <a:rPr lang="it-IT"/>
+              <a:t> </a:t>
             </a:r>
             <a:r>
               <a:rPr lang="it-IT" err="1"/>
@@ -17312,8 +17384,32 @@
               <a:t> can </a:t>
             </a:r>
             <a:r>
+              <a:rPr lang="it-IT" b="1" err="1"/>
+              <a:t>classify</a:t>
+            </a:r>
+            <a:r>
+              <a:rPr lang="it-IT" b="1"/>
+              <a:t> </a:t>
+            </a:r>
+            <a:r>
+              <a:rPr lang="it-IT" b="1" err="1"/>
+              <a:t>only</a:t>
+            </a:r>
+            <a:r>
+              <a:rPr lang="it-IT"/>
+              <a:t> the </a:t>
+            </a:r>
+            <a:r>
+              <a:rPr lang="it-IT" b="1"/>
+              <a:t>male players</a:t>
+            </a:r>
+            <a:r>
+              <a:rPr lang="it-IT"/>
+              <a:t> and </a:t>
+            </a:r>
+            <a:r>
               <a:rPr lang="it-IT" err="1"/>
-              <a:t>classify</a:t>
+              <a:t>others</a:t>
             </a:r>
             <a:r>
               <a:rPr lang="it-IT"/>
@@ -17321,14 +17417,6 @@
             </a:r>
             <a:r>
               <a:rPr lang="it-IT" err="1"/>
-              <a:t>only</a:t>
-            </a:r>
-            <a:r>
-              <a:rPr lang="it-IT"/>
-              <a:t> the male players and others </a:t>
-            </a:r>
-            <a:r>
-              <a:rPr lang="it-IT" err="1"/>
               <a:t>that</a:t>
             </a:r>
             <a:r>
@@ -17344,12 +17432,16 @@
               <a:t> on the </a:t>
             </a:r>
             <a:r>
-              <a:rPr lang="it-IT" err="1"/>
+              <a:rPr lang="it-IT" b="1" err="1"/>
               <a:t>female</a:t>
             </a:r>
             <a:r>
+              <a:rPr lang="it-IT" b="1"/>
+              <a:t> players</a:t>
+            </a:r>
+            <a:r>
               <a:rPr lang="it-IT"/>
-              <a:t> players.</a:t>
+              <a:t>.</a:t>
             </a:r>
           </a:p>
           <a:p>
@@ -17395,23 +17487,31 @@
             </a:r>
             <a:r>
               <a:rPr lang="it-IT"/>
-              <a:t> time, the players’ sex </a:t>
-            </a:r>
-            <a:r>
-              <a:rPr lang="it-IT" err="1"/>
+              <a:t> time, the </a:t>
+            </a:r>
+            <a:r>
+              <a:rPr lang="it-IT" b="1"/>
+              <a:t>players’ sex </a:t>
+            </a:r>
+            <a:r>
+              <a:rPr lang="it-IT" b="1" err="1"/>
               <a:t>has</a:t>
             </a:r>
             <a:r>
+              <a:rPr lang="it-IT" b="1"/>
+              <a:t> to be </a:t>
+            </a:r>
+            <a:r>
+              <a:rPr lang="it-IT" b="1" err="1"/>
+              <a:t>known</a:t>
+            </a:r>
+            <a:r>
+              <a:rPr lang="it-IT" b="1"/>
+              <a:t> a priori</a:t>
+            </a:r>
+            <a:r>
               <a:rPr lang="it-IT"/>
-              <a:t> to be </a:t>
-            </a:r>
-            <a:r>
-              <a:rPr lang="it-IT" err="1"/>
-              <a:t>known</a:t>
-            </a:r>
-            <a:r>
-              <a:rPr lang="it-IT"/>
-              <a:t> a priori.</a:t>
+              <a:t>.</a:t>
             </a:r>
           </a:p>
           <a:p>
@@ -17448,12 +17548,16 @@
               <a:t> </a:t>
             </a:r>
             <a:r>
-              <a:rPr lang="it-IT" err="1"/>
+              <a:rPr lang="it-IT" b="1" err="1"/>
               <a:t>hyperparameters</a:t>
             </a:r>
             <a:r>
+              <a:rPr lang="it-IT" b="1"/>
+              <a:t> tuning</a:t>
+            </a:r>
+            <a:r>
               <a:rPr lang="it-IT"/>
-              <a:t> tuning, </a:t>
+              <a:t>, </a:t>
             </a:r>
             <a:r>
               <a:rPr lang="it-IT" err="1"/>
@@ -17461,7 +17565,15 @@
             </a:r>
             <a:r>
               <a:rPr lang="it-IT"/>
-              <a:t> use the following workflow:</a:t>
+              <a:t> use the following </a:t>
+            </a:r>
+            <a:r>
+              <a:rPr lang="it-IT" b="1"/>
+              <a:t>workflow</a:t>
+            </a:r>
+            <a:r>
+              <a:rPr lang="it-IT"/>
+              <a:t>:</a:t>
             </a:r>
             <a:endParaRPr lang="en-US"/>
           </a:p>
@@ -17524,7 +17636,7 @@
         <p:spPr>
           <a:xfrm>
             <a:off x="1614112" y="5137391"/>
-            <a:ext cx="2941318" cy="523220"/>
+            <a:ext cx="3121047" cy="523220"/>
           </a:xfrm>
           <a:prstGeom prst="rect">
             <a:avLst/>
@@ -17538,19 +17650,19 @@
           <a:lstStyle/>
           <a:p>
             <a:r>
-              <a:rPr lang="it-IT" sz="1400"/>
+              <a:rPr lang="it-IT" sz="1400" b="1"/>
               <a:t>K-</a:t>
             </a:r>
             <a:r>
-              <a:rPr lang="it-IT" sz="1400" err="1"/>
+              <a:rPr lang="it-IT" sz="1400" b="1" err="1"/>
               <a:t>Fold</a:t>
             </a:r>
             <a:r>
-              <a:rPr lang="it-IT" sz="1400"/>
+              <a:rPr lang="it-IT" sz="1400" b="1"/>
               <a:t> cross </a:t>
             </a:r>
             <a:r>
-              <a:rPr lang="it-IT" sz="1400" err="1"/>
+              <a:rPr lang="it-IT" sz="1400" b="1" err="1"/>
               <a:t>validation</a:t>
             </a:r>
             <a:r>
@@ -17576,7 +17688,7 @@
               <a:t> the </a:t>
             </a:r>
             <a:r>
-              <a:rPr lang="it-IT" sz="1400" err="1"/>
+              <a:rPr lang="it-IT" sz="1400" b="1" err="1"/>
               <a:t>accuracy</a:t>
             </a:r>
             <a:r>
@@ -17589,10 +17701,14 @@
             </a:r>
             <a:r>
               <a:rPr lang="it-IT" sz="1400"/>
-              <a:t> a target </a:t>
-            </a:r>
-            <a:r>
-              <a:rPr lang="it-IT" sz="1400" err="1"/>
+              <a:t> a </a:t>
+            </a:r>
+            <a:r>
+              <a:rPr lang="it-IT" sz="1400" b="1"/>
+              <a:t>target </a:t>
+            </a:r>
+            <a:r>
+              <a:rPr lang="it-IT" sz="1400" b="1" err="1"/>
               <a:t>metric</a:t>
             </a:r>
             <a:r>
@@ -18159,7 +18275,7 @@
         <p:spPr>
           <a:xfrm>
             <a:off x="1113553" y="4479254"/>
-            <a:ext cx="9702515" cy="1569660"/>
+            <a:ext cx="10103087" cy="1569660"/>
           </a:xfrm>
           <a:prstGeom prst="rect">
             <a:avLst/>
@@ -18192,7 +18308,23 @@
             </a:pPr>
             <a:r>
               <a:rPr lang="en-US" sz="1600"/>
-              <a:t>As described before, female players were only 32% of the entire dataset while male players were 68%. As a consequence, the models fit on the male players dataset carried out much better results than the one fit on the female players dataset.</a:t>
+              <a:t>As described before, </a:t>
+            </a:r>
+            <a:r>
+              <a:rPr lang="en-US" sz="1600" b="1"/>
+              <a:t>female players were only 32% of the entire dataset while male players were 68%</a:t>
+            </a:r>
+            <a:r>
+              <a:rPr lang="en-US" sz="1600"/>
+              <a:t>. As a consequence, the </a:t>
+            </a:r>
+            <a:r>
+              <a:rPr lang="en-US" sz="1600" b="1"/>
+              <a:t>models fit on the male players dataset carried out much better results</a:t>
+            </a:r>
+            <a:r>
+              <a:rPr lang="en-US" sz="1600"/>
+              <a:t> than the one fit on the female players dataset.</a:t>
             </a:r>
           </a:p>
           <a:p>
@@ -18201,8 +18333,36 @@
               <a:buChar char="•"/>
             </a:pPr>
             <a:r>
+              <a:rPr lang="en-US" sz="1600" b="1"/>
+              <a:t>AdaBoost is the best model</a:t>
+            </a:r>
+            <a:r>
               <a:rPr lang="en-US" sz="1600"/>
-              <a:t>AdaBoost is the best model to classify female players, whereas Random Forest works better for the male players. </a:t>
+              <a:t> to </a:t>
+            </a:r>
+            <a:r>
+              <a:rPr lang="en-US" sz="1600" b="1"/>
+              <a:t>classify female players</a:t>
+            </a:r>
+            <a:r>
+              <a:rPr lang="en-US" sz="1600"/>
+              <a:t>, whereas </a:t>
+            </a:r>
+            <a:r>
+              <a:rPr lang="en-US" sz="1600" b="1"/>
+              <a:t>Random Forest</a:t>
+            </a:r>
+            <a:r>
+              <a:rPr lang="en-US" sz="1600"/>
+              <a:t> works </a:t>
+            </a:r>
+            <a:r>
+              <a:rPr lang="en-US" sz="1600" b="1"/>
+              <a:t>better for the male</a:t>
+            </a:r>
+            <a:r>
+              <a:rPr lang="en-US" sz="1600"/>
+              <a:t> players. </a:t>
             </a:r>
           </a:p>
         </p:txBody>
@@ -18677,386 +18837,6 @@
   <p:clrMapOvr>
     <a:masterClrMapping/>
   </p:clrMapOvr>
-  <p:timing>
-    <p:tnLst>
-      <p:par>
-        <p:cTn id="1" dur="indefinite" restart="never" nodeType="tmRoot">
-          <p:childTnLst>
-            <p:seq concurrent="1" nextAc="seek">
-              <p:cTn id="2" dur="indefinite" nodeType="mainSeq">
-                <p:childTnLst>
-                  <p:par>
-                    <p:cTn id="3" fill="hold">
-                      <p:stCondLst>
-                        <p:cond delay="indefinite"/>
-                      </p:stCondLst>
-                      <p:childTnLst>
-                        <p:par>
-                          <p:cTn id="4" fill="hold">
-                            <p:stCondLst>
-                              <p:cond delay="0"/>
-                            </p:stCondLst>
-                            <p:childTnLst>
-                              <p:par>
-                                <p:cTn id="5" presetID="42" presetClass="entr" presetSubtype="0" fill="hold" grpId="0" nodeType="clickEffect">
-                                  <p:stCondLst>
-                                    <p:cond delay="0"/>
-                                  </p:stCondLst>
-                                  <p:childTnLst>
-                                    <p:set>
-                                      <p:cBhvr>
-                                        <p:cTn id="6" dur="1" fill="hold">
-                                          <p:stCondLst>
-                                            <p:cond delay="0"/>
-                                          </p:stCondLst>
-                                        </p:cTn>
-                                        <p:tgtEl>
-                                          <p:spTgt spid="6">
-                                            <p:txEl>
-                                              <p:pRg st="0" end="0"/>
-                                            </p:txEl>
-                                          </p:spTgt>
-                                        </p:tgtEl>
-                                        <p:attrNameLst>
-                                          <p:attrName>style.visibility</p:attrName>
-                                        </p:attrNameLst>
-                                      </p:cBhvr>
-                                      <p:to>
-                                        <p:strVal val="visible"/>
-                                      </p:to>
-                                    </p:set>
-                                    <p:animEffect transition="in" filter="fade">
-                                      <p:cBhvr>
-                                        <p:cTn id="7" dur="500"/>
-                                        <p:tgtEl>
-                                          <p:spTgt spid="6">
-                                            <p:txEl>
-                                              <p:pRg st="0" end="0"/>
-                                            </p:txEl>
-                                          </p:spTgt>
-                                        </p:tgtEl>
-                                      </p:cBhvr>
-                                    </p:animEffect>
-                                    <p:anim calcmode="lin" valueType="num">
-                                      <p:cBhvr>
-                                        <p:cTn id="8" dur="500" fill="hold"/>
-                                        <p:tgtEl>
-                                          <p:spTgt spid="6">
-                                            <p:txEl>
-                                              <p:pRg st="0" end="0"/>
-                                            </p:txEl>
-                                          </p:spTgt>
-                                        </p:tgtEl>
-                                        <p:attrNameLst>
-                                          <p:attrName>ppt_x</p:attrName>
-                                        </p:attrNameLst>
-                                      </p:cBhvr>
-                                      <p:tavLst>
-                                        <p:tav tm="0">
-                                          <p:val>
-                                            <p:strVal val="#ppt_x"/>
-                                          </p:val>
-                                        </p:tav>
-                                        <p:tav tm="100000">
-                                          <p:val>
-                                            <p:strVal val="#ppt_x"/>
-                                          </p:val>
-                                        </p:tav>
-                                      </p:tavLst>
-                                    </p:anim>
-                                    <p:anim calcmode="lin" valueType="num">
-                                      <p:cBhvr>
-                                        <p:cTn id="9" dur="500" fill="hold"/>
-                                        <p:tgtEl>
-                                          <p:spTgt spid="6">
-                                            <p:txEl>
-                                              <p:pRg st="0" end="0"/>
-                                            </p:txEl>
-                                          </p:spTgt>
-                                        </p:tgtEl>
-                                        <p:attrNameLst>
-                                          <p:attrName>ppt_y</p:attrName>
-                                        </p:attrNameLst>
-                                      </p:cBhvr>
-                                      <p:tavLst>
-                                        <p:tav tm="0">
-                                          <p:val>
-                                            <p:strVal val="#ppt_y+.1"/>
-                                          </p:val>
-                                        </p:tav>
-                                        <p:tav tm="100000">
-                                          <p:val>
-                                            <p:strVal val="#ppt_y"/>
-                                          </p:val>
-                                        </p:tav>
-                                      </p:tavLst>
-                                    </p:anim>
-                                  </p:childTnLst>
-                                </p:cTn>
-                              </p:par>
-                            </p:childTnLst>
-                          </p:cTn>
-                        </p:par>
-                      </p:childTnLst>
-                    </p:cTn>
-                  </p:par>
-                  <p:par>
-                    <p:cTn id="10" fill="hold">
-                      <p:stCondLst>
-                        <p:cond delay="indefinite"/>
-                      </p:stCondLst>
-                      <p:childTnLst>
-                        <p:par>
-                          <p:cTn id="11" fill="hold">
-                            <p:stCondLst>
-                              <p:cond delay="0"/>
-                            </p:stCondLst>
-                            <p:childTnLst>
-                              <p:par>
-                                <p:cTn id="12" presetID="47" presetClass="entr" presetSubtype="0" fill="hold" grpId="0" nodeType="clickEffect">
-                                  <p:stCondLst>
-                                    <p:cond delay="0"/>
-                                  </p:stCondLst>
-                                  <p:childTnLst>
-                                    <p:set>
-                                      <p:cBhvr>
-                                        <p:cTn id="13" dur="1" fill="hold">
-                                          <p:stCondLst>
-                                            <p:cond delay="0"/>
-                                          </p:stCondLst>
-                                        </p:cTn>
-                                        <p:tgtEl>
-                                          <p:spTgt spid="10">
-                                            <p:txEl>
-                                              <p:pRg st="0" end="0"/>
-                                            </p:txEl>
-                                          </p:spTgt>
-                                        </p:tgtEl>
-                                        <p:attrNameLst>
-                                          <p:attrName>style.visibility</p:attrName>
-                                        </p:attrNameLst>
-                                      </p:cBhvr>
-                                      <p:to>
-                                        <p:strVal val="visible"/>
-                                      </p:to>
-                                    </p:set>
-                                    <p:animEffect transition="in" filter="fade">
-                                      <p:cBhvr>
-                                        <p:cTn id="14" dur="500"/>
-                                        <p:tgtEl>
-                                          <p:spTgt spid="10">
-                                            <p:txEl>
-                                              <p:pRg st="0" end="0"/>
-                                            </p:txEl>
-                                          </p:spTgt>
-                                        </p:tgtEl>
-                                      </p:cBhvr>
-                                    </p:animEffect>
-                                    <p:anim calcmode="lin" valueType="num">
-                                      <p:cBhvr>
-                                        <p:cTn id="15" dur="500" fill="hold"/>
-                                        <p:tgtEl>
-                                          <p:spTgt spid="10">
-                                            <p:txEl>
-                                              <p:pRg st="0" end="0"/>
-                                            </p:txEl>
-                                          </p:spTgt>
-                                        </p:tgtEl>
-                                        <p:attrNameLst>
-                                          <p:attrName>ppt_x</p:attrName>
-                                        </p:attrNameLst>
-                                      </p:cBhvr>
-                                      <p:tavLst>
-                                        <p:tav tm="0">
-                                          <p:val>
-                                            <p:strVal val="#ppt_x"/>
-                                          </p:val>
-                                        </p:tav>
-                                        <p:tav tm="100000">
-                                          <p:val>
-                                            <p:strVal val="#ppt_x"/>
-                                          </p:val>
-                                        </p:tav>
-                                      </p:tavLst>
-                                    </p:anim>
-                                    <p:anim calcmode="lin" valueType="num">
-                                      <p:cBhvr>
-                                        <p:cTn id="16" dur="500" fill="hold"/>
-                                        <p:tgtEl>
-                                          <p:spTgt spid="10">
-                                            <p:txEl>
-                                              <p:pRg st="0" end="0"/>
-                                            </p:txEl>
-                                          </p:spTgt>
-                                        </p:tgtEl>
-                                        <p:attrNameLst>
-                                          <p:attrName>ppt_y</p:attrName>
-                                        </p:attrNameLst>
-                                      </p:cBhvr>
-                                      <p:tavLst>
-                                        <p:tav tm="0">
-                                          <p:val>
-                                            <p:strVal val="#ppt_y-.1"/>
-                                          </p:val>
-                                        </p:tav>
-                                        <p:tav tm="100000">
-                                          <p:val>
-                                            <p:strVal val="#ppt_y"/>
-                                          </p:val>
-                                        </p:tav>
-                                      </p:tavLst>
-                                    </p:anim>
-                                  </p:childTnLst>
-                                </p:cTn>
-                              </p:par>
-                            </p:childTnLst>
-                          </p:cTn>
-                        </p:par>
-                      </p:childTnLst>
-                    </p:cTn>
-                  </p:par>
-                  <p:par>
-                    <p:cTn id="17" fill="hold">
-                      <p:stCondLst>
-                        <p:cond delay="indefinite"/>
-                      </p:stCondLst>
-                      <p:childTnLst>
-                        <p:par>
-                          <p:cTn id="18" fill="hold">
-                            <p:stCondLst>
-                              <p:cond delay="0"/>
-                            </p:stCondLst>
-                            <p:childTnLst>
-                              <p:par>
-                                <p:cTn id="19" presetID="42" presetClass="entr" presetSubtype="0" fill="hold" grpId="0" nodeType="clickEffect">
-                                  <p:stCondLst>
-                                    <p:cond delay="0"/>
-                                  </p:stCondLst>
-                                  <p:childTnLst>
-                                    <p:set>
-                                      <p:cBhvr>
-                                        <p:cTn id="20" dur="1" fill="hold">
-                                          <p:stCondLst>
-                                            <p:cond delay="0"/>
-                                          </p:stCondLst>
-                                        </p:cTn>
-                                        <p:tgtEl>
-                                          <p:spTgt spid="8">
-                                            <p:txEl>
-                                              <p:pRg st="0" end="0"/>
-                                            </p:txEl>
-                                          </p:spTgt>
-                                        </p:tgtEl>
-                                        <p:attrNameLst>
-                                          <p:attrName>style.visibility</p:attrName>
-                                        </p:attrNameLst>
-                                      </p:cBhvr>
-                                      <p:to>
-                                        <p:strVal val="visible"/>
-                                      </p:to>
-                                    </p:set>
-                                    <p:animEffect transition="in" filter="fade">
-                                      <p:cBhvr>
-                                        <p:cTn id="21" dur="500"/>
-                                        <p:tgtEl>
-                                          <p:spTgt spid="8">
-                                            <p:txEl>
-                                              <p:pRg st="0" end="0"/>
-                                            </p:txEl>
-                                          </p:spTgt>
-                                        </p:tgtEl>
-                                      </p:cBhvr>
-                                    </p:animEffect>
-                                    <p:anim calcmode="lin" valueType="num">
-                                      <p:cBhvr>
-                                        <p:cTn id="22" dur="500" fill="hold"/>
-                                        <p:tgtEl>
-                                          <p:spTgt spid="8">
-                                            <p:txEl>
-                                              <p:pRg st="0" end="0"/>
-                                            </p:txEl>
-                                          </p:spTgt>
-                                        </p:tgtEl>
-                                        <p:attrNameLst>
-                                          <p:attrName>ppt_x</p:attrName>
-                                        </p:attrNameLst>
-                                      </p:cBhvr>
-                                      <p:tavLst>
-                                        <p:tav tm="0">
-                                          <p:val>
-                                            <p:strVal val="#ppt_x"/>
-                                          </p:val>
-                                        </p:tav>
-                                        <p:tav tm="100000">
-                                          <p:val>
-                                            <p:strVal val="#ppt_x"/>
-                                          </p:val>
-                                        </p:tav>
-                                      </p:tavLst>
-                                    </p:anim>
-                                    <p:anim calcmode="lin" valueType="num">
-                                      <p:cBhvr>
-                                        <p:cTn id="23" dur="500" fill="hold"/>
-                                        <p:tgtEl>
-                                          <p:spTgt spid="8">
-                                            <p:txEl>
-                                              <p:pRg st="0" end="0"/>
-                                            </p:txEl>
-                                          </p:spTgt>
-                                        </p:tgtEl>
-                                        <p:attrNameLst>
-                                          <p:attrName>ppt_y</p:attrName>
-                                        </p:attrNameLst>
-                                      </p:cBhvr>
-                                      <p:tavLst>
-                                        <p:tav tm="0">
-                                          <p:val>
-                                            <p:strVal val="#ppt_y+.1"/>
-                                          </p:val>
-                                        </p:tav>
-                                        <p:tav tm="100000">
-                                          <p:val>
-                                            <p:strVal val="#ppt_y"/>
-                                          </p:val>
-                                        </p:tav>
-                                      </p:tavLst>
-                                    </p:anim>
-                                  </p:childTnLst>
-                                </p:cTn>
-                              </p:par>
-                            </p:childTnLst>
-                          </p:cTn>
-                        </p:par>
-                      </p:childTnLst>
-                    </p:cTn>
-                  </p:par>
-                </p:childTnLst>
-              </p:cTn>
-              <p:prevCondLst>
-                <p:cond evt="onPrev" delay="0">
-                  <p:tgtEl>
-                    <p:sldTgt/>
-                  </p:tgtEl>
-                </p:cond>
-              </p:prevCondLst>
-              <p:nextCondLst>
-                <p:cond evt="onNext" delay="0">
-                  <p:tgtEl>
-                    <p:sldTgt/>
-                  </p:tgtEl>
-                </p:cond>
-              </p:nextCondLst>
-            </p:seq>
-          </p:childTnLst>
-        </p:cTn>
-      </p:par>
-    </p:tnLst>
-    <p:bldLst>
-      <p:bldP spid="6" grpId="0" build="p"/>
-      <p:bldP spid="8" grpId="0" build="p"/>
-      <p:bldP spid="10" grpId="0" build="p"/>
-    </p:bldLst>
-  </p:timing>
 </p:sld>
 </file>
 
@@ -20554,15 +20334,7 @@
             </a:r>
             <a:r>
               <a:rPr lang="it-IT" sz="1600"/>
-              <a:t> size, the </a:t>
-            </a:r>
-            <a:r>
-              <a:rPr lang="it-IT" sz="1600" err="1"/>
-              <a:t>winnet</a:t>
-            </a:r>
-            <a:r>
-              <a:rPr lang="it-IT" sz="1600"/>
-              <a:t> entry…</a:t>
+              <a:t> size, the winner entry…</a:t>
             </a:r>
           </a:p>
           <a:p>
@@ -22844,14 +22616,14 @@
             <a:p>
               <a:pPr algn="ctr"/>
               <a:r>
-                <a:rPr lang="en-GB" sz="1400" b="1" err="1"/>
+                <a:rPr lang="en-GB" sz="1400" b="1" dirty="0" err="1"/>
                 <a:t>Ioc</a:t>
               </a:r>
               <a:r>
-                <a:rPr lang="en-GB" sz="1400" b="1"/>
-                <a:t> players distribution</a:t>
+                <a:rPr lang="en-GB" sz="1400" b="1" dirty="0"/>
+                <a:t> distribution</a:t>
               </a:r>
-              <a:endParaRPr lang="it-IT" sz="1400" b="1"/>
+              <a:endParaRPr lang="it-IT" sz="1400" b="1" dirty="0"/>
             </a:p>
           </p:txBody>
         </p:sp>
@@ -22942,14 +22714,10 @@
             <a:p>
               <a:pPr algn="ctr"/>
               <a:r>
-                <a:rPr lang="en-GB" sz="1400" b="1" err="1"/>
-                <a:t>Ioc</a:t>
+                <a:rPr lang="en-GB" sz="1400" b="1" dirty="0"/>
+                <a:t>Age distribution</a:t>
               </a:r>
-              <a:r>
-                <a:rPr lang="en-GB" sz="1400" b="1"/>
-                <a:t> players distribution</a:t>
-              </a:r>
-              <a:endParaRPr lang="it-IT" sz="1400" b="1"/>
+              <a:endParaRPr lang="it-IT" sz="1400" b="1" dirty="0"/>
             </a:p>
           </p:txBody>
         </p:sp>
@@ -23025,7 +22793,7 @@
           <p:spPr>
             <a:xfrm>
               <a:off x="6735505" y="2031943"/>
-              <a:ext cx="1643905" cy="523220"/>
+              <a:ext cx="1643905" cy="307777"/>
             </a:xfrm>
             <a:prstGeom prst="rect">
               <a:avLst/>
@@ -23040,10 +22808,10 @@
             <a:p>
               <a:pPr algn="ctr"/>
               <a:r>
-                <a:rPr lang="en-GB" sz="1400" b="1"/>
-                <a:t>Sex players distribution</a:t>
+                <a:rPr lang="en-GB" sz="1400" b="1" dirty="0"/>
+                <a:t>Sex distribution</a:t>
               </a:r>
-              <a:endParaRPr lang="it-IT" sz="1400" b="1"/>
+              <a:endParaRPr lang="it-IT" sz="1400" b="1" dirty="0"/>
             </a:p>
           </p:txBody>
         </p:sp>
@@ -24015,15 +23783,6 @@
 </file>
 
 <file path=customXml/item1.xml><?xml version="1.0" encoding="utf-8"?>
-<p:properties xmlns:p="http://schemas.microsoft.com/office/2006/metadata/properties" xmlns:xsi="http://www.w3.org/2001/XMLSchema-instance" xmlns:pc="http://schemas.microsoft.com/office/infopath/2007/PartnerControls">
-  <documentManagement>
-    <Status xmlns="71af3243-3dd4-4a8d-8c0d-dd76da1f02a5">Not started</Status>
-    <MediaServiceKeyPoints xmlns="71af3243-3dd4-4a8d-8c0d-dd76da1f02a5" xsi:nil="true"/>
-  </documentManagement>
-</p:properties>
-</file>
-
-<file path=customXml/item2.xml><?xml version="1.0" encoding="utf-8"?>
 <?mso-contentType ?>
 <FormTemplates xmlns="http://schemas.microsoft.com/sharepoint/v3/contenttype/forms">
   <Display>DocumentLibraryForm</Display>
@@ -24032,7 +23791,7 @@
 </FormTemplates>
 </file>
 
-<file path=customXml/item3.xml><?xml version="1.0" encoding="utf-8"?>
+<file path=customXml/item2.xml><?xml version="1.0" encoding="utf-8"?>
 <ct:contentTypeSchema xmlns:ct="http://schemas.microsoft.com/office/2006/metadata/contentType" xmlns:ma="http://schemas.microsoft.com/office/2006/metadata/properties/metaAttributes" ct:_="" ma:_="" ma:contentTypeName="Document" ma:contentTypeID="0x01010079F111ED35F8CC479449609E8A0923A6" ma:contentTypeVersion="12" ma:contentTypeDescription="Create a new document." ma:contentTypeScope="" ma:versionID="426e97fa315356fffbdcd9876fe988c2">
   <xsd:schema xmlns:xsd="http://www.w3.org/2001/XMLSchema" xmlns:xs="http://www.w3.org/2001/XMLSchema" xmlns:p="http://schemas.microsoft.com/office/2006/metadata/properties" xmlns:ns2="71af3243-3dd4-4a8d-8c0d-dd76da1f02a5" xmlns:ns3="16c05727-aa75-4e4a-9b5f-8a80a1165891" targetNamespace="http://schemas.microsoft.com/office/2006/metadata/properties" ma:root="true" ma:fieldsID="14b8f0def80e6d70ce3def20c90759ae" ns2:_="" ns3:_="">
     <xsd:import namespace="71af3243-3dd4-4a8d-8c0d-dd76da1f02a5"/>
@@ -24253,24 +24012,16 @@
 </ct:contentTypeSchema>
 </file>
 
-<file path=customXml/itemProps1.xml><?xml version="1.0" encoding="utf-8"?>
-<ds:datastoreItem xmlns:ds="http://schemas.openxmlformats.org/officeDocument/2006/customXml" ds:itemID="{09EC1AB0-9704-404D-B6D3-819D938AC55B}">
-  <ds:schemaRefs>
-    <ds:schemaRef ds:uri="71af3243-3dd4-4a8d-8c0d-dd76da1f02a5"/>
-    <ds:schemaRef ds:uri="http://schemas.microsoft.com/office/2006/metadata/properties"/>
-    <ds:schemaRef ds:uri="http://schemas.microsoft.com/office/2006/documentManagement/types"/>
-    <ds:schemaRef ds:uri="http://www.w3.org/XML/1998/namespace"/>
-    <ds:schemaRef ds:uri="http://purl.org/dc/elements/1.1/"/>
-    <ds:schemaRef ds:uri="http://purl.org/dc/terms/"/>
-    <ds:schemaRef ds:uri="16c05727-aa75-4e4a-9b5f-8a80a1165891"/>
-    <ds:schemaRef ds:uri="http://schemas.microsoft.com/office/infopath/2007/PartnerControls"/>
-    <ds:schemaRef ds:uri="http://schemas.openxmlformats.org/package/2006/metadata/core-properties"/>
-    <ds:schemaRef ds:uri="http://purl.org/dc/dcmitype/"/>
-  </ds:schemaRefs>
-</ds:datastoreItem>
+<file path=customXml/item3.xml><?xml version="1.0" encoding="utf-8"?>
+<p:properties xmlns:p="http://schemas.microsoft.com/office/2006/metadata/properties" xmlns:xsi="http://www.w3.org/2001/XMLSchema-instance" xmlns:pc="http://schemas.microsoft.com/office/infopath/2007/PartnerControls">
+  <documentManagement>
+    <Status xmlns="71af3243-3dd4-4a8d-8c0d-dd76da1f02a5">Not started</Status>
+    <MediaServiceKeyPoints xmlns="71af3243-3dd4-4a8d-8c0d-dd76da1f02a5" xsi:nil="true"/>
+  </documentManagement>
+</p:properties>
 </file>
 
-<file path=customXml/itemProps2.xml><?xml version="1.0" encoding="utf-8"?>
+<file path=customXml/itemProps1.xml><?xml version="1.0" encoding="utf-8"?>
 <ds:datastoreItem xmlns:ds="http://schemas.openxmlformats.org/officeDocument/2006/customXml" ds:itemID="{1D20B6E4-879E-4E6C-BDE7-261540CD3765}">
   <ds:schemaRefs>
     <ds:schemaRef ds:uri="http://schemas.microsoft.com/sharepoint/v3/contenttype/forms"/>
@@ -24278,7 +24029,7 @@
 </ds:datastoreItem>
 </file>
 
-<file path=customXml/itemProps3.xml><?xml version="1.0" encoding="utf-8"?>
+<file path=customXml/itemProps2.xml><?xml version="1.0" encoding="utf-8"?>
 <ds:datastoreItem xmlns:ds="http://schemas.openxmlformats.org/officeDocument/2006/customXml" ds:itemID="{94F21D10-BD83-491A-AAA6-945C2DB1EB01}">
   <ds:schemaRefs>
     <ds:schemaRef ds:uri="16c05727-aa75-4e4a-9b5f-8a80a1165891"/>
@@ -24295,4 +24046,21 @@
     <ds:schemaRef ds:uri="http://www.w3.org/2001/XMLSchema"/>
   </ds:schemaRefs>
 </ds:datastoreItem>
+</file>
+
+<file path=customXml/itemProps3.xml><?xml version="1.0" encoding="utf-8"?>
+<ds:datastoreItem xmlns:ds="http://schemas.openxmlformats.org/officeDocument/2006/customXml" ds:itemID="{09EC1AB0-9704-404D-B6D3-819D938AC55B}">
+  <ds:schemaRefs>
+    <ds:schemaRef ds:uri="16c05727-aa75-4e4a-9b5f-8a80a1165891"/>
+    <ds:schemaRef ds:uri="71af3243-3dd4-4a8d-8c0d-dd76da1f02a5"/>
+    <ds:schemaRef ds:uri="http://purl.org/dc/dcmitype/"/>
+    <ds:schemaRef ds:uri="http://purl.org/dc/elements/1.1/"/>
+    <ds:schemaRef ds:uri="http://purl.org/dc/terms/"/>
+    <ds:schemaRef ds:uri="http://schemas.microsoft.com/office/2006/documentManagement/types"/>
+    <ds:schemaRef ds:uri="http://schemas.microsoft.com/office/2006/metadata/properties"/>
+    <ds:schemaRef ds:uri="http://schemas.microsoft.com/office/infopath/2007/PartnerControls"/>
+    <ds:schemaRef ds:uri="http://schemas.openxmlformats.org/package/2006/metadata/core-properties"/>
+    <ds:schemaRef ds:uri="http://www.w3.org/XML/1998/namespace"/>
+  </ds:schemaRefs>
+</ds:datastoreItem>
 </file>
--- a/DM_14_project.pptx
+++ b/DM_14_project.pptx
@@ -5,10 +5,10 @@
     <p:sldMasterId id="2147484118" r:id="rId4"/>
   </p:sldMasterIdLst>
   <p:notesMasterIdLst>
-    <p:notesMasterId r:id="rId27"/>
+    <p:notesMasterId r:id="rId28"/>
   </p:notesMasterIdLst>
   <p:handoutMasterIdLst>
-    <p:handoutMasterId r:id="rId28"/>
+    <p:handoutMasterId r:id="rId29"/>
   </p:handoutMasterIdLst>
   <p:sldIdLst>
     <p:sldId id="416" r:id="rId5"/>
@@ -29,10 +29,11 @@
     <p:sldId id="406" r:id="rId20"/>
     <p:sldId id="405" r:id="rId21"/>
     <p:sldId id="404" r:id="rId22"/>
-    <p:sldId id="403" r:id="rId23"/>
-    <p:sldId id="420" r:id="rId24"/>
-    <p:sldId id="422" r:id="rId25"/>
-    <p:sldId id="426" r:id="rId26"/>
+    <p:sldId id="427" r:id="rId23"/>
+    <p:sldId id="403" r:id="rId24"/>
+    <p:sldId id="420" r:id="rId25"/>
+    <p:sldId id="422" r:id="rId26"/>
+    <p:sldId id="426" r:id="rId27"/>
   </p:sldIdLst>
   <p:sldSz cx="12192000" cy="6858000"/>
   <p:notesSz cx="6858000" cy="9144000"/>
@@ -151,8 +152,8 @@
 <file path=ppt/revisionInfo.xml><?xml version="1.0" encoding="utf-8"?>
 <p1510:revInfo xmlns:a="http://schemas.openxmlformats.org/drawingml/2006/main" xmlns:r="http://schemas.openxmlformats.org/officeDocument/2006/relationships" xmlns:p1510="http://schemas.microsoft.com/office/powerpoint/2015/10/main">
   <p1510:revLst>
-    <p1510:client id="{11124D39-690C-4011-8E98-B0F6F8C8D111}" v="156" dt="2022-01-23T10:57:41.979"/>
-    <p1510:client id="{4934206C-0013-4625-9D36-2311BF019665}" v="98" dt="2022-01-23T11:09:38.238"/>
+    <p1510:client id="{11124D39-690C-4011-8E98-B0F6F8C8D111}" v="7" dt="2022-01-24T21:26:18.795"/>
+    <p1510:client id="{4934206C-0013-4625-9D36-2311BF019665}" v="402" dt="2022-01-24T22:06:48.773"/>
   </p1510:revLst>
 </p1510:revInfo>
 </file>
@@ -393,7 +394,7 @@
             <a:pPr rtl="0"/>
             <a:fld id="{AD5349E3-2257-46A2-87AA-98208788B886}" type="datetime1">
               <a:rPr lang="it-IT" noProof="0" smtClean="0"/>
-              <a:t>23/01/2022</a:t>
+              <a:t>28/01/2022</a:t>
             </a:fld>
             <a:endParaRPr lang="it-IT" noProof="0"/>
           </a:p>
@@ -1240,7 +1241,7 @@
             <a:pPr rtl="0"/>
             <a:fld id="{A89C7E07-3C67-C64C-8DA0-0404F6303970}" type="slidenum">
               <a:rPr lang="it-IT" smtClean="0"/>
-              <a:t>20</a:t>
+              <a:t>19</a:t>
             </a:fld>
             <a:endParaRPr lang="it-IT"/>
           </a:p>
@@ -1249,7 +1250,7 @@
     </p:spTree>
     <p:extLst>
       <p:ext uri="{BB962C8B-B14F-4D97-AF65-F5344CB8AC3E}">
-        <p14:creationId xmlns:p14="http://schemas.microsoft.com/office/powerpoint/2010/main" val="3212766038"/>
+        <p14:creationId xmlns:p14="http://schemas.microsoft.com/office/powerpoint/2010/main" val="855224195"/>
       </p:ext>
     </p:extLst>
   </p:cSld>
@@ -1326,6 +1327,91 @@
             <a:fld id="{A89C7E07-3C67-C64C-8DA0-0404F6303970}" type="slidenum">
               <a:rPr lang="it-IT" smtClean="0"/>
               <a:t>21</a:t>
+            </a:fld>
+            <a:endParaRPr lang="it-IT"/>
+          </a:p>
+        </p:txBody>
+      </p:sp>
+    </p:spTree>
+    <p:extLst>
+      <p:ext uri="{BB962C8B-B14F-4D97-AF65-F5344CB8AC3E}">
+        <p14:creationId xmlns:p14="http://schemas.microsoft.com/office/powerpoint/2010/main" val="3212766038"/>
+      </p:ext>
+    </p:extLst>
+  </p:cSld>
+  <p:clrMapOvr>
+    <a:masterClrMapping/>
+  </p:clrMapOvr>
+</p:notes>
+</file>
+
+<file path=ppt/notesSlides/notesSlide17.xml><?xml version="1.0" encoding="utf-8"?>
+<p:notes xmlns:a="http://schemas.openxmlformats.org/drawingml/2006/main" xmlns:r="http://schemas.openxmlformats.org/officeDocument/2006/relationships" xmlns:p="http://schemas.openxmlformats.org/presentationml/2006/main">
+  <p:cSld>
+    <p:spTree>
+      <p:nvGrpSpPr>
+        <p:cNvPr id="1" name=""/>
+        <p:cNvGrpSpPr/>
+        <p:nvPr/>
+      </p:nvGrpSpPr>
+      <p:grpSpPr>
+        <a:xfrm>
+          <a:off x="0" y="0"/>
+          <a:ext cx="0" cy="0"/>
+          <a:chOff x="0" y="0"/>
+          <a:chExt cx="0" cy="0"/>
+        </a:xfrm>
+      </p:grpSpPr>
+      <p:sp>
+        <p:nvSpPr>
+          <p:cNvPr id="2" name="Segnaposto immagine diapositiva 1"/>
+          <p:cNvSpPr>
+            <a:spLocks noGrp="1" noRot="1" noChangeAspect="1"/>
+          </p:cNvSpPr>
+          <p:nvPr>
+            <p:ph type="sldImg"/>
+          </p:nvPr>
+        </p:nvSpPr>
+        <p:spPr/>
+      </p:sp>
+      <p:sp>
+        <p:nvSpPr>
+          <p:cNvPr id="3" name="Segnaposto note 2"/>
+          <p:cNvSpPr>
+            <a:spLocks noGrp="1"/>
+          </p:cNvSpPr>
+          <p:nvPr>
+            <p:ph type="body" idx="1"/>
+          </p:nvPr>
+        </p:nvSpPr>
+        <p:spPr/>
+        <p:txBody>
+          <a:bodyPr/>
+          <a:lstStyle/>
+          <a:p>
+            <a:endParaRPr lang="it-IT"/>
+          </a:p>
+        </p:txBody>
+      </p:sp>
+      <p:sp>
+        <p:nvSpPr>
+          <p:cNvPr id="4" name="Segnaposto numero diapositiva 3"/>
+          <p:cNvSpPr>
+            <a:spLocks noGrp="1"/>
+          </p:cNvSpPr>
+          <p:nvPr>
+            <p:ph type="sldNum" sz="quarter" idx="5"/>
+          </p:nvPr>
+        </p:nvSpPr>
+        <p:spPr/>
+        <p:txBody>
+          <a:bodyPr/>
+          <a:lstStyle/>
+          <a:p>
+            <a:pPr rtl="0"/>
+            <a:fld id="{A89C7E07-3C67-C64C-8DA0-0404F6303970}" type="slidenum">
+              <a:rPr lang="it-IT" smtClean="0"/>
+              <a:t>22</a:t>
             </a:fld>
             <a:endParaRPr lang="it-IT"/>
           </a:p>
@@ -2358,7 +2444,7 @@
               <a:rPr lang="it-IT" noProof="0" smtClean="0">
                 <a:latin typeface="+mn-lt"/>
               </a:rPr>
-              <a:t>23 gennaio 2022</a:t>
+              <a:t>28 gennaio 2022</a:t>
             </a:fld>
             <a:endParaRPr lang="it-IT" noProof="0">
               <a:latin typeface="+mn-lt"/>
@@ -2697,7 +2783,7 @@
               <a:rPr lang="it-IT" noProof="0" smtClean="0">
                 <a:latin typeface="+mn-lt"/>
               </a:rPr>
-              <a:t>23 gennaio 2022</a:t>
+              <a:t>28 gennaio 2022</a:t>
             </a:fld>
             <a:endParaRPr lang="it-IT" noProof="0">
               <a:latin typeface="+mn-lt"/>
@@ -2960,7 +3046,7 @@
               <a:rPr lang="it-IT" noProof="0" smtClean="0">
                 <a:latin typeface="+mn-lt"/>
               </a:rPr>
-              <a:t>23 gennaio 2022</a:t>
+              <a:t>28 gennaio 2022</a:t>
             </a:fld>
             <a:endParaRPr lang="it-IT" noProof="0">
               <a:latin typeface="+mn-lt"/>
@@ -3314,7 +3400,7 @@
               <a:rPr lang="it-IT" noProof="0" smtClean="0">
                 <a:latin typeface="+mn-lt"/>
               </a:rPr>
-              <a:t>23 gennaio 2022</a:t>
+              <a:t>28 gennaio 2022</a:t>
             </a:fld>
             <a:endParaRPr lang="it-IT" noProof="0">
               <a:latin typeface="+mn-lt"/>
@@ -3676,7 +3762,7 @@
               <a:rPr lang="it-IT" noProof="0" smtClean="0">
                 <a:latin typeface="+mn-lt"/>
               </a:rPr>
-              <a:t>23 gennaio 2022</a:t>
+              <a:t>28 gennaio 2022</a:t>
             </a:fld>
             <a:endParaRPr lang="it-IT" noProof="0">
               <a:latin typeface="+mn-lt"/>
@@ -4065,7 +4151,7 @@
               <a:rPr lang="it-IT" noProof="0" smtClean="0">
                 <a:latin typeface="+mn-lt"/>
               </a:rPr>
-              <a:t>23 gennaio 2022</a:t>
+              <a:t>28 gennaio 2022</a:t>
             </a:fld>
             <a:endParaRPr lang="it-IT" noProof="0">
               <a:latin typeface="+mn-lt"/>
@@ -4550,7 +4636,7 @@
               <a:rPr lang="it-IT" noProof="0" smtClean="0">
                 <a:latin typeface="+mn-lt"/>
               </a:rPr>
-              <a:t>23 gennaio 2022</a:t>
+              <a:t>28 gennaio 2022</a:t>
             </a:fld>
             <a:endParaRPr lang="it-IT" noProof="0">
               <a:latin typeface="+mn-lt"/>
@@ -4770,7 +4856,7 @@
               <a:rPr lang="it-IT" noProof="0" smtClean="0">
                 <a:latin typeface="+mn-lt"/>
               </a:rPr>
-              <a:t>23 gennaio 2022</a:t>
+              <a:t>28 gennaio 2022</a:t>
             </a:fld>
             <a:endParaRPr lang="it-IT" noProof="0">
               <a:latin typeface="+mn-lt"/>
@@ -4996,7 +5082,7 @@
               <a:rPr lang="it-IT" noProof="0" smtClean="0">
                 <a:latin typeface="+mn-lt"/>
               </a:rPr>
-              <a:t>23 gennaio 2022</a:t>
+              <a:t>28 gennaio 2022</a:t>
             </a:fld>
             <a:endParaRPr lang="it-IT" noProof="0">
               <a:latin typeface="+mn-lt"/>
@@ -6627,7 +6713,7 @@
               <a:rPr lang="it-IT" noProof="0" smtClean="0">
                 <a:latin typeface="+mn-lt"/>
               </a:rPr>
-              <a:t>23 gennaio 2022</a:t>
+              <a:t>28 gennaio 2022</a:t>
             </a:fld>
             <a:endParaRPr lang="it-IT" noProof="0">
               <a:latin typeface="+mn-lt"/>
@@ -6915,7 +7001,7 @@
               <a:rPr lang="it-IT" noProof="0" smtClean="0">
                 <a:latin typeface="+mn-lt"/>
               </a:rPr>
-              <a:t>23 gennaio 2022</a:t>
+              <a:t>28 gennaio 2022</a:t>
             </a:fld>
             <a:endParaRPr lang="it-IT" noProof="0">
               <a:latin typeface="+mn-lt"/>
@@ -7976,7 +8062,7 @@
               <a:rPr lang="it-IT" noProof="0" smtClean="0">
                 <a:latin typeface="+mn-lt"/>
               </a:rPr>
-              <a:t>23 gennaio 2022</a:t>
+              <a:t>28 gennaio 2022</a:t>
             </a:fld>
             <a:endParaRPr lang="it-IT" noProof="0">
               <a:latin typeface="+mn-lt"/>
@@ -9645,7 +9731,7 @@
               <a:rPr lang="it-IT" noProof="0" smtClean="0">
                 <a:latin typeface="+mn-lt"/>
               </a:rPr>
-              <a:t>23 gennaio 2022</a:t>
+              <a:t>28 gennaio 2022</a:t>
             </a:fld>
             <a:endParaRPr lang="it-IT" noProof="0">
               <a:latin typeface="+mn-lt"/>
@@ -10285,7 +10371,7 @@
               <a:rPr lang="it-IT" noProof="0" smtClean="0">
                 <a:latin typeface="+mn-lt"/>
               </a:rPr>
-              <a:t>23 gennaio 2022</a:t>
+              <a:t>28 gennaio 2022</a:t>
             </a:fld>
             <a:endParaRPr lang="it-IT" noProof="0">
               <a:latin typeface="+mn-lt"/>
@@ -10588,7 +10674,7 @@
               <a:rPr lang="it-IT" noProof="0" smtClean="0">
                 <a:latin typeface="+mn-lt"/>
               </a:rPr>
-              <a:t>23 gennaio 2022</a:t>
+              <a:t>28 gennaio 2022</a:t>
             </a:fld>
             <a:endParaRPr lang="it-IT" noProof="0">
               <a:latin typeface="+mn-lt"/>
@@ -10901,7 +10987,7 @@
               <a:rPr lang="it-IT" noProof="0" smtClean="0">
                 <a:latin typeface="+mn-lt"/>
               </a:rPr>
-              <a:t>23 gennaio 2022</a:t>
+              <a:t>28 gennaio 2022</a:t>
             </a:fld>
             <a:endParaRPr lang="it-IT" noProof="0">
               <a:latin typeface="+mn-lt"/>
@@ -11310,7 +11396,7 @@
               <a:rPr lang="it-IT" noProof="0" smtClean="0">
                 <a:latin typeface="+mn-lt"/>
               </a:rPr>
-              <a:t>23 gennaio 2022</a:t>
+              <a:t>28 gennaio 2022</a:t>
             </a:fld>
             <a:endParaRPr lang="it-IT" noProof="0">
               <a:latin typeface="+mn-lt"/>
@@ -11474,7 +11560,7 @@
               <a:rPr lang="it-IT" noProof="0" smtClean="0">
                 <a:latin typeface="+mn-lt"/>
               </a:rPr>
-              <a:t>23 gennaio 2022</a:t>
+              <a:t>28 gennaio 2022</a:t>
             </a:fld>
             <a:endParaRPr lang="it-IT" noProof="0">
               <a:latin typeface="+mn-lt"/>
@@ -11615,7 +11701,7 @@
               <a:rPr lang="it-IT" noProof="0" smtClean="0">
                 <a:latin typeface="+mn-lt"/>
               </a:rPr>
-              <a:t>23 gennaio 2022</a:t>
+              <a:t>28 gennaio 2022</a:t>
             </a:fld>
             <a:endParaRPr lang="it-IT" noProof="0">
               <a:latin typeface="+mn-lt"/>
@@ -11885,7 +11971,7 @@
               <a:rPr lang="it-IT" noProof="0" smtClean="0">
                 <a:latin typeface="+mn-lt"/>
               </a:rPr>
-              <a:t>23 gennaio 2022</a:t>
+              <a:t>28 gennaio 2022</a:t>
             </a:fld>
             <a:endParaRPr lang="it-IT" noProof="0">
               <a:latin typeface="+mn-lt"/>
@@ -12215,7 +12301,7 @@
               <a:rPr lang="it-IT" noProof="0" smtClean="0">
                 <a:latin typeface="+mn-lt"/>
               </a:rPr>
-              <a:t>23 gennaio 2022</a:t>
+              <a:t>28 gennaio 2022</a:t>
             </a:fld>
             <a:endParaRPr lang="it-IT" noProof="0">
               <a:latin typeface="+mn-lt"/>
@@ -12581,7 +12667,7 @@
               <a:rPr lang="it-IT" noProof="0" smtClean="0">
                 <a:latin typeface="+mn-lt"/>
               </a:rPr>
-              <a:t>23 gennaio 2022</a:t>
+              <a:t>28 gennaio 2022</a:t>
             </a:fld>
             <a:endParaRPr lang="it-IT" noProof="0">
               <a:latin typeface="+mn-lt"/>
@@ -13164,8 +13250,8 @@
         </p:nvSpPr>
         <p:spPr>
           <a:xfrm>
-            <a:off x="4065814" y="2049267"/>
-            <a:ext cx="7470796" cy="1835311"/>
+            <a:off x="6367055" y="2973422"/>
+            <a:ext cx="5019192" cy="708759"/>
           </a:xfrm>
         </p:spPr>
         <p:txBody>
@@ -14466,19 +14552,19 @@
               <a:buChar char="•"/>
             </a:pPr>
             <a:r>
-              <a:rPr lang="en-GB" sz="1600" dirty="0"/>
+              <a:rPr lang="en-GB" sz="1600"/>
               <a:t>The </a:t>
             </a:r>
             <a:r>
-              <a:rPr lang="en-GB" sz="1600" b="1" dirty="0"/>
+              <a:rPr lang="en-GB" sz="1600" b="1"/>
               <a:t>results are really underwhelming</a:t>
             </a:r>
             <a:r>
-              <a:rPr lang="en-GB" sz="1600" dirty="0"/>
+              <a:rPr lang="en-GB" sz="1600"/>
               <a:t>, all the players fall in the </a:t>
             </a:r>
             <a:r>
-              <a:rPr lang="en-GB" sz="1600" b="1" dirty="0"/>
+              <a:rPr lang="en-GB" sz="1600" b="1"/>
               <a:t>same cluster.</a:t>
             </a:r>
           </a:p>
@@ -14487,7 +14573,7 @@
               <a:buFont typeface="Arial" panose="020B0604020202020204" pitchFamily="34" charset="0"/>
               <a:buChar char="•"/>
             </a:pPr>
-            <a:endParaRPr lang="en-GB" sz="1600" dirty="0"/>
+            <a:endParaRPr lang="en-GB" sz="1600"/>
           </a:p>
           <a:p>
             <a:pPr marL="285750" indent="-285750">
@@ -14495,16 +14581,16 @@
               <a:buChar char="•"/>
             </a:pPr>
             <a:r>
-              <a:rPr lang="en-GB" sz="1600" b="1" dirty="0"/>
+              <a:rPr lang="en-GB" sz="1600" b="1"/>
               <a:t>The noise points are the best and worst players plus some players that have done some exploits </a:t>
             </a:r>
             <a:r>
-              <a:rPr lang="en-GB" sz="1600" dirty="0"/>
+              <a:rPr lang="en-GB" sz="1600"/>
               <a:t>(like winning minor tournaments).</a:t>
             </a:r>
           </a:p>
           <a:p>
-            <a:endParaRPr lang="it-IT" sz="1600" dirty="0"/>
+            <a:endParaRPr lang="it-IT" sz="1600"/>
           </a:p>
         </p:txBody>
       </p:sp>
@@ -15013,11 +15099,7 @@
             </a:r>
             <a:r>
               <a:rPr lang="it-IT" sz="1600" b="1" err="1"/>
-              <a:t>one</a:t>
-            </a:r>
-            <a:r>
-              <a:rPr lang="it-IT" sz="1600" err="1"/>
-              <a:t>s</a:t>
+              <a:t>ones</a:t>
             </a:r>
             <a:r>
               <a:rPr lang="it-IT" sz="1600"/>
@@ -18189,7 +18271,7 @@
         <p:spPr>
           <a:xfrm>
             <a:off x="1113553" y="3856955"/>
-            <a:ext cx="4610481" cy="461665"/>
+            <a:ext cx="4711803" cy="461665"/>
           </a:xfrm>
           <a:prstGeom prst="rect">
             <a:avLst/>
@@ -18203,8 +18285,28 @@
           <a:lstStyle/>
           <a:p>
             <a:r>
+              <a:rPr lang="en-US" sz="1200" b="1"/>
+              <a:t>Performance</a:t>
+            </a:r>
+            <a:r>
               <a:rPr lang="en-US" sz="1200"/>
-              <a:t>A comparison between the performance of the algorithms employed to classify the </a:t>
+              <a:t> of the </a:t>
+            </a:r>
+            <a:r>
+              <a:rPr lang="en-US" sz="1200" b="1"/>
+              <a:t>algorithms</a:t>
+            </a:r>
+            <a:r>
+              <a:rPr lang="en-US" sz="1200"/>
+              <a:t> employed to </a:t>
+            </a:r>
+            <a:r>
+              <a:rPr lang="en-US" sz="1200" b="1"/>
+              <a:t>classify</a:t>
+            </a:r>
+            <a:r>
+              <a:rPr lang="en-US" sz="1200"/>
+              <a:t> the </a:t>
             </a:r>
             <a:r>
               <a:rPr lang="en-US" sz="1200" b="1"/>
@@ -18212,7 +18314,23 @@
             </a:r>
             <a:r>
               <a:rPr lang="en-US" sz="1200"/>
-              <a:t> players.</a:t>
+              <a:t> </a:t>
+            </a:r>
+            <a:r>
+              <a:rPr lang="en-US" sz="1200" b="1"/>
+              <a:t>players</a:t>
+            </a:r>
+            <a:r>
+              <a:rPr lang="en-US" sz="1200"/>
+              <a:t>. An entry represents the </a:t>
+            </a:r>
+            <a:r>
+              <a:rPr lang="en-US" sz="1200" b="1"/>
+              <a:t>weak/strong class</a:t>
+            </a:r>
+            <a:r>
+              <a:rPr lang="en-US" sz="1200"/>
+              <a:t>.</a:t>
             </a:r>
           </a:p>
         </p:txBody>
@@ -18246,8 +18364,28 @@
           <a:lstStyle/>
           <a:p>
             <a:r>
+              <a:rPr lang="en-US" sz="1200" b="1"/>
+              <a:t>Performance</a:t>
+            </a:r>
+            <a:r>
               <a:rPr lang="en-US" sz="1200"/>
-              <a:t>A comparison between the performance of the algorithms employed to classify the </a:t>
+              <a:t> of the </a:t>
+            </a:r>
+            <a:r>
+              <a:rPr lang="en-US" sz="1200" b="1"/>
+              <a:t>algorithms</a:t>
+            </a:r>
+            <a:r>
+              <a:rPr lang="en-US" sz="1200"/>
+              <a:t> employed to </a:t>
+            </a:r>
+            <a:r>
+              <a:rPr lang="en-US" sz="1200" b="1"/>
+              <a:t>classify</a:t>
+            </a:r>
+            <a:r>
+              <a:rPr lang="en-US" sz="1200"/>
+              <a:t> the </a:t>
             </a:r>
             <a:r>
               <a:rPr lang="en-US" sz="1200" b="1"/>
@@ -18255,7 +18393,29 @@
             </a:r>
             <a:r>
               <a:rPr lang="en-US" sz="1200"/>
-              <a:t> players.</a:t>
+              <a:t> </a:t>
+            </a:r>
+            <a:r>
+              <a:rPr lang="en-US" sz="1200" b="1"/>
+              <a:t>players</a:t>
+            </a:r>
+            <a:r>
+              <a:rPr lang="en-US" sz="1200"/>
+              <a:t>.</a:t>
+            </a:r>
+          </a:p>
+          <a:p>
+            <a:r>
+              <a:rPr lang="en-US" sz="1200"/>
+              <a:t>An entry represents the </a:t>
+            </a:r>
+            <a:r>
+              <a:rPr lang="en-US" sz="1200" b="1"/>
+              <a:t>weak/strong class</a:t>
+            </a:r>
+            <a:r>
+              <a:rPr lang="en-US" sz="1200"/>
+              <a:t>.</a:t>
             </a:r>
           </a:p>
         </p:txBody>
@@ -18274,8 +18434,8 @@
         </p:nvSpPr>
         <p:spPr>
           <a:xfrm>
-            <a:off x="1113553" y="4479254"/>
-            <a:ext cx="10103087" cy="1569660"/>
+            <a:off x="952501" y="4539040"/>
+            <a:ext cx="10024626" cy="1569660"/>
           </a:xfrm>
           <a:prstGeom prst="rect">
             <a:avLst/>
@@ -18298,8 +18458,81 @@
             </a:r>
             <a:r>
               <a:rPr lang="en-US" sz="1600"/>
-              <a:t>e summarized the performance of the models by distinguishing those that work with the female data to the ones that work with the male data.</a:t>
-            </a:r>
+              <a:t>e summarized the </a:t>
+            </a:r>
+            <a:r>
+              <a:rPr lang="en-US" sz="1600" b="1"/>
+              <a:t>performance</a:t>
+            </a:r>
+            <a:r>
+              <a:rPr lang="en-US" sz="1600"/>
+              <a:t> of the </a:t>
+            </a:r>
+            <a:r>
+              <a:rPr lang="en-US" sz="1600" b="1"/>
+              <a:t>models</a:t>
+            </a:r>
+            <a:r>
+              <a:rPr lang="en-US" sz="1600"/>
+              <a:t> by distinguishing those that work with the </a:t>
+            </a:r>
+            <a:r>
+              <a:rPr lang="en-US" sz="1600" b="1"/>
+              <a:t>female data</a:t>
+            </a:r>
+            <a:r>
+              <a:rPr lang="en-US" sz="1600"/>
+              <a:t> to the ones that work with the </a:t>
+            </a:r>
+            <a:r>
+              <a:rPr lang="en-US" sz="1600" b="1"/>
+              <a:t>male data</a:t>
+            </a:r>
+            <a:r>
+              <a:rPr lang="en-US" sz="1600"/>
+              <a:t>.</a:t>
+            </a:r>
+            <a:r>
+              <a:rPr lang="it-IT" sz="1600"/>
+              <a:t> </a:t>
+            </a:r>
+            <a:r>
+              <a:rPr lang="it-IT" sz="1600" b="1" err="1"/>
+              <a:t>Each</a:t>
+            </a:r>
+            <a:r>
+              <a:rPr lang="it-IT" sz="1600" b="1"/>
+              <a:t> entry </a:t>
+            </a:r>
+            <a:r>
+              <a:rPr lang="it-IT" sz="1600" err="1"/>
+              <a:t>value</a:t>
+            </a:r>
+            <a:r>
+              <a:rPr lang="it-IT" sz="1600"/>
+              <a:t> </a:t>
+            </a:r>
+            <a:r>
+              <a:rPr lang="it-IT" sz="1600" err="1"/>
+              <a:t>represents</a:t>
+            </a:r>
+            <a:r>
+              <a:rPr lang="it-IT" sz="1600"/>
+              <a:t> the </a:t>
+            </a:r>
+            <a:r>
+              <a:rPr lang="it-IT" sz="1600" b="1" err="1"/>
+              <a:t>weak</a:t>
+            </a:r>
+            <a:r>
+              <a:rPr lang="it-IT" sz="1600" b="1"/>
+              <a:t>/strong</a:t>
+            </a:r>
+            <a:r>
+              <a:rPr lang="it-IT" sz="1600"/>
+              <a:t> class.</a:t>
+            </a:r>
+            <a:endParaRPr lang="en-US" sz="1600"/>
           </a:p>
           <a:p>
             <a:pPr marL="285750" indent="-285750">
@@ -18399,10 +18632,10 @@
       </p:grpSpPr>
       <p:sp>
         <p:nvSpPr>
-          <p:cNvPr id="5" name="Titolo 4">
+          <p:cNvPr id="2" name="Titolo 1">
             <a:extLst>
               <a:ext uri="{FF2B5EF4-FFF2-40B4-BE49-F238E27FC236}">
-                <a16:creationId xmlns:a16="http://schemas.microsoft.com/office/drawing/2014/main" id="{B466DE26-8482-4C08-BA1E-C228D2B3B31B}"/>
+                <a16:creationId xmlns:a16="http://schemas.microsoft.com/office/drawing/2014/main" id="{8C122DF8-59D4-D94D-8ED9-F2F319899DBF}"/>
               </a:ext>
             </a:extLst>
           </p:cNvPr>
@@ -18410,60 +18643,98 @@
             <a:spLocks noGrp="1"/>
           </p:cNvSpPr>
           <p:nvPr>
-            <p:ph type="ctrTitle"/>
+            <p:ph type="title"/>
+          </p:nvPr>
+        </p:nvSpPr>
+        <p:spPr>
+          <a:xfrm>
+            <a:off x="952499" y="809086"/>
+            <a:ext cx="4726773" cy="920445"/>
+          </a:xfrm>
+        </p:spPr>
+        <p:txBody>
+          <a:bodyPr rtlCol="0">
+            <a:normAutofit fontScale="90000"/>
+          </a:bodyPr>
+          <a:lstStyle/>
+          <a:p>
+            <a:pPr algn="l" rtl="0"/>
+            <a:r>
+              <a:rPr lang="it-IT" sz="4000" err="1"/>
+              <a:t>Predictive</a:t>
+            </a:r>
+            <a:r>
+              <a:rPr lang="it-IT" sz="4000"/>
+              <a:t> </a:t>
+            </a:r>
+            <a:r>
+              <a:rPr lang="it-IT" sz="4000" err="1"/>
+              <a:t>analysis</a:t>
+            </a:r>
+            <a:r>
+              <a:rPr lang="it-IT" sz="4000"/>
+              <a:t>:</a:t>
+            </a:r>
+            <a:br>
+              <a:rPr lang="it-IT" sz="3200"/>
+            </a:br>
+            <a:r>
+              <a:rPr lang="it-IT" sz="3200"/>
+              <a:t>feature </a:t>
+            </a:r>
+            <a:r>
+              <a:rPr lang="it-IT" sz="3200" err="1"/>
+              <a:t>importance</a:t>
+            </a:r>
+            <a:r>
+              <a:rPr lang="it-IT" sz="3200"/>
+              <a:t> </a:t>
+            </a:r>
+            <a:r>
+              <a:rPr lang="it-IT" sz="3200" err="1"/>
+              <a:t>analysis</a:t>
+            </a:r>
+            <a:endParaRPr lang="it-IT" sz="3200"/>
+          </a:p>
+        </p:txBody>
+      </p:sp>
+      <p:sp>
+        <p:nvSpPr>
+          <p:cNvPr id="5" name="Segnaposto numero diapositiva 4">
+            <a:extLst>
+              <a:ext uri="{FF2B5EF4-FFF2-40B4-BE49-F238E27FC236}">
+                <a16:creationId xmlns:a16="http://schemas.microsoft.com/office/drawing/2014/main" id="{AB744071-0CE2-7746-9315-22EC28A0F462}"/>
+              </a:ext>
+            </a:extLst>
+          </p:cNvPr>
+          <p:cNvSpPr>
+            <a:spLocks noGrp="1"/>
+          </p:cNvSpPr>
+          <p:nvPr>
+            <p:ph type="sldNum" sz="quarter" idx="23"/>
           </p:nvPr>
         </p:nvSpPr>
         <p:spPr/>
         <p:txBody>
-          <a:bodyPr/>
-          <a:lstStyle/>
-          <a:p>
-            <a:r>
-              <a:rPr lang="en-US" b="1"/>
-              <a:t>Time Series Analysis</a:t>
-            </a:r>
-          </a:p>
-        </p:txBody>
-      </p:sp>
-      <p:sp>
-        <p:nvSpPr>
-          <p:cNvPr id="4" name="Segnaposto numero diapositiva 3">
-            <a:extLst>
-              <a:ext uri="{FF2B5EF4-FFF2-40B4-BE49-F238E27FC236}">
-                <a16:creationId xmlns:a16="http://schemas.microsoft.com/office/drawing/2014/main" id="{13BBC18A-6880-4287-8F2B-3ECA06200959}"/>
-              </a:ext>
-            </a:extLst>
-          </p:cNvPr>
-          <p:cNvSpPr>
-            <a:spLocks noGrp="1"/>
-          </p:cNvSpPr>
-          <p:nvPr>
-            <p:ph type="sldNum" sz="quarter" idx="12"/>
-          </p:nvPr>
-        </p:nvSpPr>
-        <p:spPr/>
-        <p:txBody>
-          <a:bodyPr/>
+          <a:bodyPr rtlCol="0"/>
           <a:lstStyle/>
           <a:p>
             <a:pPr rtl="0"/>
             <a:fld id="{294A09A9-5501-47C1-A89A-A340965A2BE2}" type="slidenum">
-              <a:rPr lang="it-IT" noProof="0" smtClean="0"/>
+              <a:rPr lang="it-IT" smtClean="0"/>
               <a:pPr rtl="0"/>
               <a:t>19</a:t>
             </a:fld>
-            <a:endParaRPr lang="it-IT" noProof="0">
-              <a:latin typeface="+mn-lt"/>
-            </a:endParaRPr>
+            <a:endParaRPr lang="it-IT"/>
           </a:p>
         </p:txBody>
       </p:sp>
       <p:pic>
         <p:nvPicPr>
-          <p:cNvPr id="3" name="Elemento grafico 2" descr="Grafico periodico con riempimento a tinta unita">
+          <p:cNvPr id="4" name="Immagine 3">
             <a:extLst>
               <a:ext uri="{FF2B5EF4-FFF2-40B4-BE49-F238E27FC236}">
-                <a16:creationId xmlns:a16="http://schemas.microsoft.com/office/drawing/2014/main" id="{453C1CFE-EC9C-4289-99F1-AA69133AFB34}"/>
+                <a16:creationId xmlns:a16="http://schemas.microsoft.com/office/drawing/2014/main" id="{D2007F9A-F013-47C5-A127-2A137FBC0B79}"/>
               </a:ext>
             </a:extLst>
           </p:cNvPr>
@@ -18473,13 +18744,10 @@
           <p:nvPr/>
         </p:nvPicPr>
         <p:blipFill>
-          <a:blip r:embed="rId2">
+          <a:blip r:embed="rId3">
             <a:extLst>
               <a:ext uri="{28A0092B-C50C-407E-A947-70E740481C1C}">
                 <a14:useLocalDpi xmlns:a14="http://schemas.microsoft.com/office/drawing/2010/main" val="0"/>
-              </a:ext>
-              <a:ext uri="{96DAC541-7B7A-43D3-8B79-37D633B846F1}">
-                <asvg:svgBlip xmlns:asvg="http://schemas.microsoft.com/office/drawing/2016/SVG/main" r:embed="rId3"/>
               </a:ext>
             </a:extLst>
           </a:blip>
@@ -18489,18 +18757,174 @@
         </p:blipFill>
         <p:spPr>
           <a:xfrm>
-            <a:off x="5449529" y="3744721"/>
-            <a:ext cx="1292942" cy="1292942"/>
+            <a:off x="1529138" y="3236888"/>
+            <a:ext cx="4150135" cy="2696143"/>
           </a:xfrm>
           <a:prstGeom prst="rect">
             <a:avLst/>
           </a:prstGeom>
         </p:spPr>
       </p:pic>
+      <p:pic>
+        <p:nvPicPr>
+          <p:cNvPr id="8" name="Immagine 7">
+            <a:extLst>
+              <a:ext uri="{FF2B5EF4-FFF2-40B4-BE49-F238E27FC236}">
+                <a16:creationId xmlns:a16="http://schemas.microsoft.com/office/drawing/2014/main" id="{5BC8CDA5-C2B5-47D8-9F80-E2243BAE09A6}"/>
+              </a:ext>
+            </a:extLst>
+          </p:cNvPr>
+          <p:cNvPicPr>
+            <a:picLocks noChangeAspect="1"/>
+          </p:cNvPicPr>
+          <p:nvPr/>
+        </p:nvPicPr>
+        <p:blipFill>
+          <a:blip r:embed="rId4">
+            <a:extLst>
+              <a:ext uri="{28A0092B-C50C-407E-A947-70E740481C1C}">
+                <a14:useLocalDpi xmlns:a14="http://schemas.microsoft.com/office/drawing/2010/main" val="0"/>
+              </a:ext>
+            </a:extLst>
+          </a:blip>
+          <a:stretch>
+            <a:fillRect/>
+          </a:stretch>
+        </p:blipFill>
+        <p:spPr>
+          <a:xfrm>
+            <a:off x="6346981" y="3236888"/>
+            <a:ext cx="4150135" cy="2740655"/>
+          </a:xfrm>
+          <a:prstGeom prst="rect">
+            <a:avLst/>
+          </a:prstGeom>
+        </p:spPr>
+      </p:pic>
+      <p:sp>
+        <p:nvSpPr>
+          <p:cNvPr id="13" name="CasellaDiTesto 12">
+            <a:extLst>
+              <a:ext uri="{FF2B5EF4-FFF2-40B4-BE49-F238E27FC236}">
+                <a16:creationId xmlns:a16="http://schemas.microsoft.com/office/drawing/2014/main" id="{484D2B4F-978C-4DB7-8693-1009CD0EA03B}"/>
+              </a:ext>
+            </a:extLst>
+          </p:cNvPr>
+          <p:cNvSpPr txBox="1"/>
+          <p:nvPr/>
+        </p:nvSpPr>
+        <p:spPr>
+          <a:xfrm>
+            <a:off x="2147826" y="2816516"/>
+            <a:ext cx="3244251" cy="338554"/>
+          </a:xfrm>
+          <a:prstGeom prst="rect">
+            <a:avLst/>
+          </a:prstGeom>
+          <a:noFill/>
+        </p:spPr>
+        <p:txBody>
+          <a:bodyPr wrap="square" rtlCol="0">
+            <a:spAutoFit/>
+          </a:bodyPr>
+          <a:lstStyle/>
+          <a:p>
+            <a:r>
+              <a:rPr lang="en-US" sz="1600" b="1"/>
+              <a:t>Feature importance, male players</a:t>
+            </a:r>
+            <a:endParaRPr lang="en-US" sz="1600"/>
+          </a:p>
+        </p:txBody>
+      </p:sp>
+      <p:sp>
+        <p:nvSpPr>
+          <p:cNvPr id="14" name="CasellaDiTesto 13">
+            <a:extLst>
+              <a:ext uri="{FF2B5EF4-FFF2-40B4-BE49-F238E27FC236}">
+                <a16:creationId xmlns:a16="http://schemas.microsoft.com/office/drawing/2014/main" id="{6034961A-A2CD-4043-97D3-CE6C82005436}"/>
+              </a:ext>
+            </a:extLst>
+          </p:cNvPr>
+          <p:cNvSpPr txBox="1"/>
+          <p:nvPr/>
+        </p:nvSpPr>
+        <p:spPr>
+          <a:xfrm>
+            <a:off x="6858917" y="2816516"/>
+            <a:ext cx="3244250" cy="338554"/>
+          </a:xfrm>
+          <a:prstGeom prst="rect">
+            <a:avLst/>
+          </a:prstGeom>
+          <a:noFill/>
+        </p:spPr>
+        <p:txBody>
+          <a:bodyPr wrap="square" rtlCol="0">
+            <a:spAutoFit/>
+          </a:bodyPr>
+          <a:lstStyle/>
+          <a:p>
+            <a:r>
+              <a:rPr lang="en-US" sz="1600" b="1"/>
+              <a:t>Feature importance, female players</a:t>
+            </a:r>
+            <a:endParaRPr lang="en-US" sz="1600"/>
+          </a:p>
+        </p:txBody>
+      </p:sp>
+      <p:sp>
+        <p:nvSpPr>
+          <p:cNvPr id="11" name="CasellaDiTesto 10">
+            <a:extLst>
+              <a:ext uri="{FF2B5EF4-FFF2-40B4-BE49-F238E27FC236}">
+                <a16:creationId xmlns:a16="http://schemas.microsoft.com/office/drawing/2014/main" id="{C8E683DC-4D38-42F1-8B70-F7DD07FC832E}"/>
+              </a:ext>
+            </a:extLst>
+          </p:cNvPr>
+          <p:cNvSpPr txBox="1"/>
+          <p:nvPr/>
+        </p:nvSpPr>
+        <p:spPr>
+          <a:xfrm>
+            <a:off x="4584207" y="1832005"/>
+            <a:ext cx="3023585" cy="461665"/>
+          </a:xfrm>
+          <a:prstGeom prst="rect">
+            <a:avLst/>
+          </a:prstGeom>
+          <a:noFill/>
+        </p:spPr>
+        <p:txBody>
+          <a:bodyPr wrap="none" rtlCol="0">
+            <a:spAutoFit/>
+          </a:bodyPr>
+          <a:lstStyle/>
+          <a:p>
+            <a:r>
+              <a:rPr lang="it-IT" sz="2200" b="1"/>
+              <a:t>An </a:t>
+            </a:r>
+            <a:r>
+              <a:rPr lang="it-IT" sz="2200" b="1" err="1"/>
+              <a:t>example</a:t>
+            </a:r>
+            <a:r>
+              <a:rPr lang="it-IT" sz="2200" b="1"/>
+              <a:t>: </a:t>
+            </a:r>
+            <a:r>
+              <a:rPr lang="it-IT" sz="2400" b="1" err="1"/>
+              <a:t>AdaBoost</a:t>
+            </a:r>
+            <a:endParaRPr lang="en-US" sz="2400" b="1"/>
+          </a:p>
+        </p:txBody>
+      </p:sp>
     </p:spTree>
     <p:extLst>
       <p:ext uri="{BB962C8B-B14F-4D97-AF65-F5344CB8AC3E}">
-        <p14:creationId xmlns:p14="http://schemas.microsoft.com/office/powerpoint/2010/main" val="3326261648"/>
+        <p14:creationId xmlns:p14="http://schemas.microsoft.com/office/powerpoint/2010/main" val="547584799"/>
       </p:ext>
     </p:extLst>
   </p:cSld>
@@ -18859,10 +19283,10 @@
       </p:grpSpPr>
       <p:sp>
         <p:nvSpPr>
-          <p:cNvPr id="2" name="Titolo 1">
+          <p:cNvPr id="5" name="Titolo 4">
             <a:extLst>
               <a:ext uri="{FF2B5EF4-FFF2-40B4-BE49-F238E27FC236}">
-                <a16:creationId xmlns:a16="http://schemas.microsoft.com/office/drawing/2014/main" id="{8C122DF8-59D4-D94D-8ED9-F2F319899DBF}"/>
+                <a16:creationId xmlns:a16="http://schemas.microsoft.com/office/drawing/2014/main" id="{B466DE26-8482-4C08-BA1E-C228D2B3B31B}"/>
               </a:ext>
             </a:extLst>
           </p:cNvPr>
@@ -18870,54 +19294,27 @@
             <a:spLocks noGrp="1"/>
           </p:cNvSpPr>
           <p:nvPr>
-            <p:ph type="title"/>
-          </p:nvPr>
-        </p:nvSpPr>
-        <p:spPr>
-          <a:xfrm>
-            <a:off x="952500" y="809086"/>
-            <a:ext cx="4264542" cy="920445"/>
-          </a:xfrm>
-        </p:spPr>
-        <p:txBody>
-          <a:bodyPr rtlCol="0">
-            <a:normAutofit fontScale="90000"/>
-          </a:bodyPr>
+            <p:ph type="ctrTitle"/>
+          </p:nvPr>
+        </p:nvSpPr>
+        <p:spPr/>
+        <p:txBody>
+          <a:bodyPr/>
           <a:lstStyle/>
           <a:p>
-            <a:pPr algn="l" rtl="0"/>
-            <a:r>
-              <a:rPr lang="it-IT" sz="4000"/>
-              <a:t>Time Series </a:t>
-            </a:r>
-            <a:r>
-              <a:rPr lang="it-IT" sz="4000" err="1"/>
-              <a:t>analysis</a:t>
-            </a:r>
-            <a:r>
-              <a:rPr lang="it-IT" sz="4000"/>
-              <a:t>:</a:t>
-            </a:r>
-            <a:br>
-              <a:rPr lang="it-IT" sz="3200"/>
-            </a:br>
-            <a:r>
-              <a:rPr lang="it-IT" sz="3200" err="1"/>
-              <a:t>Shape-based</a:t>
-            </a:r>
-            <a:r>
-              <a:rPr lang="it-IT" sz="3200"/>
-              <a:t> clustering</a:t>
-            </a:r>
-          </a:p>
-        </p:txBody>
-      </p:sp>
-      <p:sp>
-        <p:nvSpPr>
-          <p:cNvPr id="5" name="Segnaposto numero diapositiva 4">
+            <a:r>
+              <a:rPr lang="en-US" b="1"/>
+              <a:t>Time Series Analysis</a:t>
+            </a:r>
+          </a:p>
+        </p:txBody>
+      </p:sp>
+      <p:sp>
+        <p:nvSpPr>
+          <p:cNvPr id="4" name="Segnaposto numero diapositiva 3">
             <a:extLst>
               <a:ext uri="{FF2B5EF4-FFF2-40B4-BE49-F238E27FC236}">
-                <a16:creationId xmlns:a16="http://schemas.microsoft.com/office/drawing/2014/main" id="{AB744071-0CE2-7746-9315-22EC28A0F462}"/>
+                <a16:creationId xmlns:a16="http://schemas.microsoft.com/office/drawing/2014/main" id="{13BBC18A-6880-4287-8F2B-3ECA06200959}"/>
               </a:ext>
             </a:extLst>
           </p:cNvPr>
@@ -18925,30 +19322,32 @@
             <a:spLocks noGrp="1"/>
           </p:cNvSpPr>
           <p:nvPr>
-            <p:ph type="sldNum" sz="quarter" idx="23"/>
+            <p:ph type="sldNum" sz="quarter" idx="12"/>
           </p:nvPr>
         </p:nvSpPr>
         <p:spPr/>
         <p:txBody>
-          <a:bodyPr rtlCol="0"/>
+          <a:bodyPr/>
           <a:lstStyle/>
           <a:p>
             <a:pPr rtl="0"/>
             <a:fld id="{294A09A9-5501-47C1-A89A-A340965A2BE2}" type="slidenum">
-              <a:rPr lang="it-IT" smtClean="0"/>
+              <a:rPr lang="it-IT" noProof="0" smtClean="0"/>
               <a:pPr rtl="0"/>
               <a:t>20</a:t>
             </a:fld>
-            <a:endParaRPr lang="it-IT"/>
+            <a:endParaRPr lang="it-IT" noProof="0">
+              <a:latin typeface="+mn-lt"/>
+            </a:endParaRPr>
           </a:p>
         </p:txBody>
       </p:sp>
       <p:pic>
         <p:nvPicPr>
-          <p:cNvPr id="21" name="Immagine 20" descr="Immagine che contiene tavolo&#10;&#10;Descrizione generata automaticamente">
+          <p:cNvPr id="3" name="Elemento grafico 2" descr="Grafico periodico con riempimento a tinta unita">
             <a:extLst>
               <a:ext uri="{FF2B5EF4-FFF2-40B4-BE49-F238E27FC236}">
-                <a16:creationId xmlns:a16="http://schemas.microsoft.com/office/drawing/2014/main" id="{81DC47CB-585D-47B2-BEDD-16950E4DFF4C}"/>
+                <a16:creationId xmlns:a16="http://schemas.microsoft.com/office/drawing/2014/main" id="{453C1CFE-EC9C-4289-99F1-AA69133AFB34}"/>
               </a:ext>
             </a:extLst>
           </p:cNvPr>
@@ -18958,10 +19357,13 @@
           <p:nvPr/>
         </p:nvPicPr>
         <p:blipFill>
-          <a:blip r:embed="rId3">
+          <a:blip r:embed="rId2">
             <a:extLst>
               <a:ext uri="{28A0092B-C50C-407E-A947-70E740481C1C}">
                 <a14:useLocalDpi xmlns:a14="http://schemas.microsoft.com/office/drawing/2010/main" val="0"/>
+              </a:ext>
+              <a:ext uri="{96DAC541-7B7A-43D3-8B79-37D633B846F1}">
+                <asvg:svgBlip xmlns:asvg="http://schemas.microsoft.com/office/drawing/2016/SVG/main" r:embed="rId3"/>
               </a:ext>
             </a:extLst>
           </a:blip>
@@ -18971,333 +19373,18 @@
         </p:blipFill>
         <p:spPr>
           <a:xfrm>
-            <a:off x="6165129" y="2029827"/>
-            <a:ext cx="4619135" cy="2041740"/>
+            <a:off x="5449529" y="3744721"/>
+            <a:ext cx="1292942" cy="1292942"/>
           </a:xfrm>
           <a:prstGeom prst="rect">
             <a:avLst/>
           </a:prstGeom>
         </p:spPr>
       </p:pic>
-      <p:pic>
-        <p:nvPicPr>
-          <p:cNvPr id="23" name="Immagine 22">
-            <a:extLst>
-              <a:ext uri="{FF2B5EF4-FFF2-40B4-BE49-F238E27FC236}">
-                <a16:creationId xmlns:a16="http://schemas.microsoft.com/office/drawing/2014/main" id="{3368119C-9971-4755-AEF6-E392FD1C677D}"/>
-              </a:ext>
-            </a:extLst>
-          </p:cNvPr>
-          <p:cNvPicPr>
-            <a:picLocks noChangeAspect="1"/>
-          </p:cNvPicPr>
-          <p:nvPr/>
-        </p:nvPicPr>
-        <p:blipFill>
-          <a:blip r:embed="rId4">
-            <a:extLst>
-              <a:ext uri="{28A0092B-C50C-407E-A947-70E740481C1C}">
-                <a14:useLocalDpi xmlns:a14="http://schemas.microsoft.com/office/drawing/2010/main" val="0"/>
-              </a:ext>
-            </a:extLst>
-          </a:blip>
-          <a:stretch>
-            <a:fillRect/>
-          </a:stretch>
-        </p:blipFill>
-        <p:spPr>
-          <a:xfrm>
-            <a:off x="1003079" y="2033924"/>
-            <a:ext cx="4888674" cy="2041741"/>
-          </a:xfrm>
-          <a:prstGeom prst="rect">
-            <a:avLst/>
-          </a:prstGeom>
-        </p:spPr>
-      </p:pic>
-      <p:pic>
-        <p:nvPicPr>
-          <p:cNvPr id="25" name="Immagine 24" descr="Immagine che contiene mappa&#10;&#10;Descrizione generata automaticamente">
-            <a:extLst>
-              <a:ext uri="{FF2B5EF4-FFF2-40B4-BE49-F238E27FC236}">
-                <a16:creationId xmlns:a16="http://schemas.microsoft.com/office/drawing/2014/main" id="{8237052A-88EB-4C62-8079-8E5FC6100AD3}"/>
-              </a:ext>
-            </a:extLst>
-          </p:cNvPr>
-          <p:cNvPicPr>
-            <a:picLocks noChangeAspect="1"/>
-          </p:cNvPicPr>
-          <p:nvPr/>
-        </p:nvPicPr>
-        <p:blipFill>
-          <a:blip r:embed="rId5">
-            <a:extLst>
-              <a:ext uri="{28A0092B-C50C-407E-A947-70E740481C1C}">
-                <a14:useLocalDpi xmlns:a14="http://schemas.microsoft.com/office/drawing/2010/main" val="0"/>
-              </a:ext>
-            </a:extLst>
-          </a:blip>
-          <a:stretch>
-            <a:fillRect/>
-          </a:stretch>
-        </p:blipFill>
-        <p:spPr>
-          <a:xfrm>
-            <a:off x="5010953" y="4118702"/>
-            <a:ext cx="5614296" cy="2084516"/>
-          </a:xfrm>
-          <a:prstGeom prst="rect">
-            <a:avLst/>
-          </a:prstGeom>
-        </p:spPr>
-      </p:pic>
-      <p:sp>
-        <p:nvSpPr>
-          <p:cNvPr id="26" name="CasellaDiTesto 25">
-            <a:extLst>
-              <a:ext uri="{FF2B5EF4-FFF2-40B4-BE49-F238E27FC236}">
-                <a16:creationId xmlns:a16="http://schemas.microsoft.com/office/drawing/2014/main" id="{5570A885-9FBB-4DEE-8DDB-0695CC717175}"/>
-              </a:ext>
-            </a:extLst>
-          </p:cNvPr>
-          <p:cNvSpPr txBox="1"/>
-          <p:nvPr/>
-        </p:nvSpPr>
-        <p:spPr>
-          <a:xfrm>
-            <a:off x="1084082" y="4184152"/>
-            <a:ext cx="3926871" cy="2062103"/>
-          </a:xfrm>
-          <a:prstGeom prst="rect">
-            <a:avLst/>
-          </a:prstGeom>
-          <a:noFill/>
-        </p:spPr>
-        <p:txBody>
-          <a:bodyPr wrap="square" rtlCol="0">
-            <a:spAutoFit/>
-          </a:bodyPr>
-          <a:lstStyle/>
-          <a:p>
-            <a:pPr marL="285750" indent="-285750">
-              <a:buFont typeface="Arial" panose="020B0604020202020204" pitchFamily="34" charset="0"/>
-              <a:buChar char="•"/>
-            </a:pPr>
-            <a:r>
-              <a:rPr lang="it-IT" sz="1600"/>
-              <a:t>The dataset </a:t>
-            </a:r>
-            <a:r>
-              <a:rPr lang="it-IT" sz="1600" err="1"/>
-              <a:t>was</a:t>
-            </a:r>
-            <a:r>
-              <a:rPr lang="it-IT" sz="1600"/>
-              <a:t> </a:t>
-            </a:r>
-            <a:r>
-              <a:rPr lang="it-IT" sz="1600" b="1" err="1"/>
-              <a:t>built</a:t>
-            </a:r>
-            <a:r>
-              <a:rPr lang="it-IT" sz="1600" b="1"/>
-              <a:t> by </a:t>
-            </a:r>
-            <a:r>
-              <a:rPr lang="it-IT" sz="1600" b="1" err="1"/>
-              <a:t>using</a:t>
-            </a:r>
-            <a:r>
-              <a:rPr lang="it-IT" sz="1600" b="1"/>
-              <a:t> the </a:t>
-            </a:r>
-            <a:r>
-              <a:rPr lang="it-IT" sz="1600" b="1" err="1"/>
-              <a:t>method</a:t>
-            </a:r>
-            <a:r>
-              <a:rPr lang="it-IT" sz="1600" b="1"/>
-              <a:t> pivot()</a:t>
-            </a:r>
-            <a:r>
-              <a:rPr lang="it-IT" sz="1600"/>
-              <a:t> from </a:t>
-            </a:r>
-            <a:r>
-              <a:rPr lang="it-IT" sz="1600" err="1"/>
-              <a:t>pandas</a:t>
-            </a:r>
-            <a:r>
-              <a:rPr lang="it-IT" sz="1600"/>
-              <a:t>.</a:t>
-            </a:r>
-          </a:p>
-          <a:p>
-            <a:pPr marL="285750" indent="-285750">
-              <a:buFont typeface="Arial" panose="020B0604020202020204" pitchFamily="34" charset="0"/>
-              <a:buChar char="•"/>
-            </a:pPr>
-            <a:r>
-              <a:rPr lang="it-IT" sz="1600" b="1"/>
-              <a:t>The cities </a:t>
-            </a:r>
-            <a:r>
-              <a:rPr lang="it-IT" sz="1600" b="1" err="1"/>
-              <a:t>were</a:t>
-            </a:r>
-            <a:r>
-              <a:rPr lang="it-IT" sz="1600" b="1"/>
-              <a:t> split </a:t>
-            </a:r>
-            <a:r>
-              <a:rPr lang="it-IT" sz="1600" b="1" err="1"/>
-              <a:t>into</a:t>
-            </a:r>
-            <a:r>
-              <a:rPr lang="it-IT" sz="1600" b="1"/>
-              <a:t> </a:t>
-            </a:r>
-            <a:r>
-              <a:rPr lang="it-IT" sz="1600" b="1" err="1"/>
-              <a:t>five</a:t>
-            </a:r>
-            <a:r>
-              <a:rPr lang="it-IT" sz="1600" b="1"/>
-              <a:t> clusters </a:t>
-            </a:r>
-            <a:r>
-              <a:rPr lang="it-IT" sz="1600"/>
-              <a:t>in </a:t>
-            </a:r>
-            <a:r>
-              <a:rPr lang="it-IT" sz="1600" err="1"/>
-              <a:t>accordance</a:t>
-            </a:r>
-            <a:r>
-              <a:rPr lang="it-IT" sz="1600"/>
-              <a:t> to </a:t>
-            </a:r>
-            <a:r>
-              <a:rPr lang="it-IT" sz="1600" err="1"/>
-              <a:t>their</a:t>
-            </a:r>
-            <a:r>
-              <a:rPr lang="it-IT" sz="1600"/>
-              <a:t> </a:t>
-            </a:r>
-            <a:r>
-              <a:rPr lang="it-IT" sz="1600" b="1"/>
-              <a:t>temperature trends</a:t>
-            </a:r>
-            <a:r>
-              <a:rPr lang="it-IT" sz="1600"/>
-              <a:t>.</a:t>
-            </a:r>
-          </a:p>
-          <a:p>
-            <a:pPr marL="285750" indent="-285750">
-              <a:buFont typeface="Arial" panose="020B0604020202020204" pitchFamily="34" charset="0"/>
-              <a:buChar char="•"/>
-            </a:pPr>
-            <a:r>
-              <a:rPr lang="it-IT" sz="1600" b="1"/>
-              <a:t>DTW </a:t>
-            </a:r>
-            <a:r>
-              <a:rPr lang="it-IT" sz="1600" b="1" err="1"/>
-              <a:t>performed</a:t>
-            </a:r>
-            <a:r>
-              <a:rPr lang="it-IT" sz="1600" b="1"/>
-              <a:t> </a:t>
-            </a:r>
-            <a:r>
-              <a:rPr lang="it-IT" sz="1600" b="1" err="1"/>
-              <a:t>better</a:t>
-            </a:r>
-            <a:r>
-              <a:rPr lang="it-IT" sz="1600" b="1"/>
-              <a:t> </a:t>
-            </a:r>
-            <a:r>
-              <a:rPr lang="it-IT" sz="1600" b="1" err="1"/>
-              <a:t>than</a:t>
-            </a:r>
-            <a:r>
-              <a:rPr lang="it-IT" sz="1600" b="1"/>
-              <a:t> </a:t>
-            </a:r>
-            <a:r>
-              <a:rPr lang="it-IT" sz="1600" b="1" err="1"/>
-              <a:t>euclidean</a:t>
-            </a:r>
-            <a:r>
-              <a:rPr lang="it-IT" sz="1600" b="1"/>
-              <a:t> </a:t>
-            </a:r>
-            <a:r>
-              <a:rPr lang="it-IT" sz="1600" b="1" err="1"/>
-              <a:t>distance</a:t>
-            </a:r>
-            <a:r>
-              <a:rPr lang="it-IT" sz="1600" b="1"/>
-              <a:t> </a:t>
-            </a:r>
-            <a:r>
-              <a:rPr lang="it-IT" sz="1600" b="1" err="1"/>
-              <a:t>since</a:t>
-            </a:r>
-            <a:r>
-              <a:rPr lang="it-IT" sz="1600" b="1"/>
-              <a:t> </a:t>
-            </a:r>
-            <a:r>
-              <a:rPr lang="it-IT" sz="1600" b="1" err="1"/>
-              <a:t>it</a:t>
-            </a:r>
-            <a:r>
-              <a:rPr lang="it-IT" sz="1600" b="1"/>
-              <a:t> takes </a:t>
-            </a:r>
-            <a:r>
-              <a:rPr lang="it-IT" sz="1600" b="1" err="1"/>
-              <a:t>into</a:t>
-            </a:r>
-            <a:r>
-              <a:rPr lang="it-IT" sz="1600" b="1"/>
-              <a:t> account the shift </a:t>
-            </a:r>
-            <a:r>
-              <a:rPr lang="it-IT" sz="1600" err="1"/>
-              <a:t>caused</a:t>
-            </a:r>
-            <a:r>
-              <a:rPr lang="it-IT" sz="1600"/>
-              <a:t> by the seasons in </a:t>
-            </a:r>
-            <a:r>
-              <a:rPr lang="it-IT" sz="1600" err="1"/>
-              <a:t>different</a:t>
-            </a:r>
-            <a:r>
-              <a:rPr lang="it-IT" sz="1600"/>
-              <a:t> </a:t>
-            </a:r>
-            <a:r>
-              <a:rPr lang="it-IT" sz="1600" err="1"/>
-              <a:t>emispheres</a:t>
-            </a:r>
-            <a:r>
-              <a:rPr lang="it-IT" sz="1600"/>
-              <a:t>.</a:t>
-            </a:r>
-          </a:p>
-        </p:txBody>
-      </p:sp>
     </p:spTree>
     <p:extLst>
       <p:ext uri="{BB962C8B-B14F-4D97-AF65-F5344CB8AC3E}">
-        <p14:creationId xmlns:p14="http://schemas.microsoft.com/office/powerpoint/2010/main" val="2922510817"/>
+        <p14:creationId xmlns:p14="http://schemas.microsoft.com/office/powerpoint/2010/main" val="3326261648"/>
       </p:ext>
     </p:extLst>
   </p:cSld>
@@ -19369,12 +19456,8 @@
               <a:rPr lang="it-IT" sz="3200"/>
             </a:br>
             <a:r>
-              <a:rPr lang="it-IT" sz="3200"/>
-              <a:t>Feature-</a:t>
-            </a:r>
-            <a:r>
               <a:rPr lang="it-IT" sz="3200" err="1"/>
-              <a:t>based</a:t>
+              <a:t>Shape-based</a:t>
             </a:r>
             <a:r>
               <a:rPr lang="it-IT" sz="3200"/>
@@ -19409,6 +19492,477 @@
               <a:rPr lang="it-IT" smtClean="0"/>
               <a:pPr rtl="0"/>
               <a:t>21</a:t>
+            </a:fld>
+            <a:endParaRPr lang="it-IT"/>
+          </a:p>
+        </p:txBody>
+      </p:sp>
+      <p:pic>
+        <p:nvPicPr>
+          <p:cNvPr id="21" name="Immagine 20" descr="Immagine che contiene tavolo&#10;&#10;Descrizione generata automaticamente">
+            <a:extLst>
+              <a:ext uri="{FF2B5EF4-FFF2-40B4-BE49-F238E27FC236}">
+                <a16:creationId xmlns:a16="http://schemas.microsoft.com/office/drawing/2014/main" id="{81DC47CB-585D-47B2-BEDD-16950E4DFF4C}"/>
+              </a:ext>
+            </a:extLst>
+          </p:cNvPr>
+          <p:cNvPicPr>
+            <a:picLocks noChangeAspect="1"/>
+          </p:cNvPicPr>
+          <p:nvPr/>
+        </p:nvPicPr>
+        <p:blipFill>
+          <a:blip r:embed="rId3">
+            <a:extLst>
+              <a:ext uri="{28A0092B-C50C-407E-A947-70E740481C1C}">
+                <a14:useLocalDpi xmlns:a14="http://schemas.microsoft.com/office/drawing/2010/main" val="0"/>
+              </a:ext>
+            </a:extLst>
+          </a:blip>
+          <a:stretch>
+            <a:fillRect/>
+          </a:stretch>
+        </p:blipFill>
+        <p:spPr>
+          <a:xfrm>
+            <a:off x="6165129" y="2029827"/>
+            <a:ext cx="4619135" cy="2041740"/>
+          </a:xfrm>
+          <a:prstGeom prst="rect">
+            <a:avLst/>
+          </a:prstGeom>
+        </p:spPr>
+      </p:pic>
+      <p:pic>
+        <p:nvPicPr>
+          <p:cNvPr id="23" name="Immagine 22">
+            <a:extLst>
+              <a:ext uri="{FF2B5EF4-FFF2-40B4-BE49-F238E27FC236}">
+                <a16:creationId xmlns:a16="http://schemas.microsoft.com/office/drawing/2014/main" id="{3368119C-9971-4755-AEF6-E392FD1C677D}"/>
+              </a:ext>
+            </a:extLst>
+          </p:cNvPr>
+          <p:cNvPicPr>
+            <a:picLocks noChangeAspect="1"/>
+          </p:cNvPicPr>
+          <p:nvPr/>
+        </p:nvPicPr>
+        <p:blipFill>
+          <a:blip r:embed="rId4">
+            <a:extLst>
+              <a:ext uri="{28A0092B-C50C-407E-A947-70E740481C1C}">
+                <a14:useLocalDpi xmlns:a14="http://schemas.microsoft.com/office/drawing/2010/main" val="0"/>
+              </a:ext>
+            </a:extLst>
+          </a:blip>
+          <a:stretch>
+            <a:fillRect/>
+          </a:stretch>
+        </p:blipFill>
+        <p:spPr>
+          <a:xfrm>
+            <a:off x="1003079" y="2033924"/>
+            <a:ext cx="4888674" cy="2041741"/>
+          </a:xfrm>
+          <a:prstGeom prst="rect">
+            <a:avLst/>
+          </a:prstGeom>
+        </p:spPr>
+      </p:pic>
+      <p:pic>
+        <p:nvPicPr>
+          <p:cNvPr id="25" name="Immagine 24" descr="Immagine che contiene mappa&#10;&#10;Descrizione generata automaticamente">
+            <a:extLst>
+              <a:ext uri="{FF2B5EF4-FFF2-40B4-BE49-F238E27FC236}">
+                <a16:creationId xmlns:a16="http://schemas.microsoft.com/office/drawing/2014/main" id="{8237052A-88EB-4C62-8079-8E5FC6100AD3}"/>
+              </a:ext>
+            </a:extLst>
+          </p:cNvPr>
+          <p:cNvPicPr>
+            <a:picLocks noChangeAspect="1"/>
+          </p:cNvPicPr>
+          <p:nvPr/>
+        </p:nvPicPr>
+        <p:blipFill>
+          <a:blip r:embed="rId5">
+            <a:extLst>
+              <a:ext uri="{28A0092B-C50C-407E-A947-70E740481C1C}">
+                <a14:useLocalDpi xmlns:a14="http://schemas.microsoft.com/office/drawing/2010/main" val="0"/>
+              </a:ext>
+            </a:extLst>
+          </a:blip>
+          <a:stretch>
+            <a:fillRect/>
+          </a:stretch>
+        </p:blipFill>
+        <p:spPr>
+          <a:xfrm>
+            <a:off x="5010953" y="4118702"/>
+            <a:ext cx="5614296" cy="2084516"/>
+          </a:xfrm>
+          <a:prstGeom prst="rect">
+            <a:avLst/>
+          </a:prstGeom>
+        </p:spPr>
+      </p:pic>
+      <p:sp>
+        <p:nvSpPr>
+          <p:cNvPr id="26" name="CasellaDiTesto 25">
+            <a:extLst>
+              <a:ext uri="{FF2B5EF4-FFF2-40B4-BE49-F238E27FC236}">
+                <a16:creationId xmlns:a16="http://schemas.microsoft.com/office/drawing/2014/main" id="{5570A885-9FBB-4DEE-8DDB-0695CC717175}"/>
+              </a:ext>
+            </a:extLst>
+          </p:cNvPr>
+          <p:cNvSpPr txBox="1"/>
+          <p:nvPr/>
+        </p:nvSpPr>
+        <p:spPr>
+          <a:xfrm>
+            <a:off x="1084082" y="4184152"/>
+            <a:ext cx="3926871" cy="2062103"/>
+          </a:xfrm>
+          <a:prstGeom prst="rect">
+            <a:avLst/>
+          </a:prstGeom>
+          <a:noFill/>
+        </p:spPr>
+        <p:txBody>
+          <a:bodyPr wrap="square" rtlCol="0">
+            <a:spAutoFit/>
+          </a:bodyPr>
+          <a:lstStyle/>
+          <a:p>
+            <a:pPr marL="285750" indent="-285750">
+              <a:buFont typeface="Arial" panose="020B0604020202020204" pitchFamily="34" charset="0"/>
+              <a:buChar char="•"/>
+            </a:pPr>
+            <a:r>
+              <a:rPr lang="it-IT" sz="1600"/>
+              <a:t>The dataset </a:t>
+            </a:r>
+            <a:r>
+              <a:rPr lang="it-IT" sz="1600" err="1"/>
+              <a:t>was</a:t>
+            </a:r>
+            <a:r>
+              <a:rPr lang="it-IT" sz="1600"/>
+              <a:t> </a:t>
+            </a:r>
+            <a:r>
+              <a:rPr lang="it-IT" sz="1600" b="1" err="1"/>
+              <a:t>built</a:t>
+            </a:r>
+            <a:r>
+              <a:rPr lang="it-IT" sz="1600" b="1"/>
+              <a:t> by </a:t>
+            </a:r>
+            <a:r>
+              <a:rPr lang="it-IT" sz="1600" b="1" err="1"/>
+              <a:t>using</a:t>
+            </a:r>
+            <a:r>
+              <a:rPr lang="it-IT" sz="1600" b="1"/>
+              <a:t> the </a:t>
+            </a:r>
+            <a:r>
+              <a:rPr lang="it-IT" sz="1600" b="1" err="1"/>
+              <a:t>method</a:t>
+            </a:r>
+            <a:r>
+              <a:rPr lang="it-IT" sz="1600" b="1"/>
+              <a:t> pivot()</a:t>
+            </a:r>
+            <a:r>
+              <a:rPr lang="it-IT" sz="1600"/>
+              <a:t> from </a:t>
+            </a:r>
+            <a:r>
+              <a:rPr lang="it-IT" sz="1600" err="1"/>
+              <a:t>pandas</a:t>
+            </a:r>
+            <a:r>
+              <a:rPr lang="it-IT" sz="1600"/>
+              <a:t>.</a:t>
+            </a:r>
+          </a:p>
+          <a:p>
+            <a:pPr marL="285750" indent="-285750">
+              <a:buFont typeface="Arial" panose="020B0604020202020204" pitchFamily="34" charset="0"/>
+              <a:buChar char="•"/>
+            </a:pPr>
+            <a:r>
+              <a:rPr lang="it-IT" sz="1600" b="1"/>
+              <a:t>The cities </a:t>
+            </a:r>
+            <a:r>
+              <a:rPr lang="it-IT" sz="1600" b="1" err="1"/>
+              <a:t>were</a:t>
+            </a:r>
+            <a:r>
+              <a:rPr lang="it-IT" sz="1600" b="1"/>
+              <a:t> split </a:t>
+            </a:r>
+            <a:r>
+              <a:rPr lang="it-IT" sz="1600" b="1" err="1"/>
+              <a:t>into</a:t>
+            </a:r>
+            <a:r>
+              <a:rPr lang="it-IT" sz="1600" b="1"/>
+              <a:t> </a:t>
+            </a:r>
+            <a:r>
+              <a:rPr lang="it-IT" sz="1600" b="1" err="1"/>
+              <a:t>five</a:t>
+            </a:r>
+            <a:r>
+              <a:rPr lang="it-IT" sz="1600" b="1"/>
+              <a:t> clusters </a:t>
+            </a:r>
+            <a:r>
+              <a:rPr lang="it-IT" sz="1600"/>
+              <a:t>in </a:t>
+            </a:r>
+            <a:r>
+              <a:rPr lang="it-IT" sz="1600" err="1"/>
+              <a:t>accordance</a:t>
+            </a:r>
+            <a:r>
+              <a:rPr lang="it-IT" sz="1600"/>
+              <a:t> to </a:t>
+            </a:r>
+            <a:r>
+              <a:rPr lang="it-IT" sz="1600" err="1"/>
+              <a:t>their</a:t>
+            </a:r>
+            <a:r>
+              <a:rPr lang="it-IT" sz="1600"/>
+              <a:t> </a:t>
+            </a:r>
+            <a:r>
+              <a:rPr lang="it-IT" sz="1600" b="1"/>
+              <a:t>temperature trends</a:t>
+            </a:r>
+            <a:r>
+              <a:rPr lang="it-IT" sz="1600"/>
+              <a:t>.</a:t>
+            </a:r>
+          </a:p>
+          <a:p>
+            <a:pPr marL="285750" indent="-285750">
+              <a:buFont typeface="Arial" panose="020B0604020202020204" pitchFamily="34" charset="0"/>
+              <a:buChar char="•"/>
+            </a:pPr>
+            <a:r>
+              <a:rPr lang="it-IT" sz="1600" b="1"/>
+              <a:t>DTW </a:t>
+            </a:r>
+            <a:r>
+              <a:rPr lang="it-IT" sz="1600" b="1" err="1"/>
+              <a:t>performed</a:t>
+            </a:r>
+            <a:r>
+              <a:rPr lang="it-IT" sz="1600" b="1"/>
+              <a:t> </a:t>
+            </a:r>
+            <a:r>
+              <a:rPr lang="it-IT" sz="1600" b="1" err="1"/>
+              <a:t>better</a:t>
+            </a:r>
+            <a:r>
+              <a:rPr lang="it-IT" sz="1600" b="1"/>
+              <a:t> </a:t>
+            </a:r>
+            <a:r>
+              <a:rPr lang="it-IT" sz="1600" b="1" err="1"/>
+              <a:t>than</a:t>
+            </a:r>
+            <a:r>
+              <a:rPr lang="it-IT" sz="1600" b="1"/>
+              <a:t> </a:t>
+            </a:r>
+            <a:r>
+              <a:rPr lang="it-IT" sz="1600" b="1" err="1"/>
+              <a:t>euclidean</a:t>
+            </a:r>
+            <a:r>
+              <a:rPr lang="it-IT" sz="1600" b="1"/>
+              <a:t> </a:t>
+            </a:r>
+            <a:r>
+              <a:rPr lang="it-IT" sz="1600" b="1" err="1"/>
+              <a:t>distance</a:t>
+            </a:r>
+            <a:r>
+              <a:rPr lang="it-IT" sz="1600" b="1"/>
+              <a:t> </a:t>
+            </a:r>
+            <a:r>
+              <a:rPr lang="it-IT" sz="1600" b="1" err="1"/>
+              <a:t>since</a:t>
+            </a:r>
+            <a:r>
+              <a:rPr lang="it-IT" sz="1600" b="1"/>
+              <a:t> </a:t>
+            </a:r>
+            <a:r>
+              <a:rPr lang="it-IT" sz="1600" b="1" err="1"/>
+              <a:t>it</a:t>
+            </a:r>
+            <a:r>
+              <a:rPr lang="it-IT" sz="1600" b="1"/>
+              <a:t> takes </a:t>
+            </a:r>
+            <a:r>
+              <a:rPr lang="it-IT" sz="1600" b="1" err="1"/>
+              <a:t>into</a:t>
+            </a:r>
+            <a:r>
+              <a:rPr lang="it-IT" sz="1600" b="1"/>
+              <a:t> account the shift </a:t>
+            </a:r>
+            <a:r>
+              <a:rPr lang="it-IT" sz="1600" err="1"/>
+              <a:t>caused</a:t>
+            </a:r>
+            <a:r>
+              <a:rPr lang="it-IT" sz="1600"/>
+              <a:t> by the seasons in </a:t>
+            </a:r>
+            <a:r>
+              <a:rPr lang="it-IT" sz="1600" err="1"/>
+              <a:t>different</a:t>
+            </a:r>
+            <a:r>
+              <a:rPr lang="it-IT" sz="1600"/>
+              <a:t> </a:t>
+            </a:r>
+            <a:r>
+              <a:rPr lang="it-IT" sz="1600" err="1"/>
+              <a:t>emispheres</a:t>
+            </a:r>
+            <a:r>
+              <a:rPr lang="it-IT" sz="1600"/>
+              <a:t>.</a:t>
+            </a:r>
+          </a:p>
+        </p:txBody>
+      </p:sp>
+    </p:spTree>
+    <p:extLst>
+      <p:ext uri="{BB962C8B-B14F-4D97-AF65-F5344CB8AC3E}">
+        <p14:creationId xmlns:p14="http://schemas.microsoft.com/office/powerpoint/2010/main" val="2922510817"/>
+      </p:ext>
+    </p:extLst>
+  </p:cSld>
+  <p:clrMapOvr>
+    <a:masterClrMapping/>
+  </p:clrMapOvr>
+</p:sld>
+</file>
+
+<file path=ppt/slides/slide22.xml><?xml version="1.0" encoding="utf-8"?>
+<p:sld xmlns:a="http://schemas.openxmlformats.org/drawingml/2006/main" xmlns:r="http://schemas.openxmlformats.org/officeDocument/2006/relationships" xmlns:p="http://schemas.openxmlformats.org/presentationml/2006/main">
+  <p:cSld>
+    <p:spTree>
+      <p:nvGrpSpPr>
+        <p:cNvPr id="1" name=""/>
+        <p:cNvGrpSpPr/>
+        <p:nvPr/>
+      </p:nvGrpSpPr>
+      <p:grpSpPr>
+        <a:xfrm>
+          <a:off x="0" y="0"/>
+          <a:ext cx="0" cy="0"/>
+          <a:chOff x="0" y="0"/>
+          <a:chExt cx="0" cy="0"/>
+        </a:xfrm>
+      </p:grpSpPr>
+      <p:sp>
+        <p:nvSpPr>
+          <p:cNvPr id="2" name="Titolo 1">
+            <a:extLst>
+              <a:ext uri="{FF2B5EF4-FFF2-40B4-BE49-F238E27FC236}">
+                <a16:creationId xmlns:a16="http://schemas.microsoft.com/office/drawing/2014/main" id="{8C122DF8-59D4-D94D-8ED9-F2F319899DBF}"/>
+              </a:ext>
+            </a:extLst>
+          </p:cNvPr>
+          <p:cNvSpPr>
+            <a:spLocks noGrp="1"/>
+          </p:cNvSpPr>
+          <p:nvPr>
+            <p:ph type="title"/>
+          </p:nvPr>
+        </p:nvSpPr>
+        <p:spPr>
+          <a:xfrm>
+            <a:off x="952500" y="809086"/>
+            <a:ext cx="4264542" cy="920445"/>
+          </a:xfrm>
+        </p:spPr>
+        <p:txBody>
+          <a:bodyPr rtlCol="0">
+            <a:normAutofit fontScale="90000"/>
+          </a:bodyPr>
+          <a:lstStyle/>
+          <a:p>
+            <a:pPr algn="l" rtl="0"/>
+            <a:r>
+              <a:rPr lang="it-IT" sz="4000"/>
+              <a:t>Time Series </a:t>
+            </a:r>
+            <a:r>
+              <a:rPr lang="it-IT" sz="4000" err="1"/>
+              <a:t>analysis</a:t>
+            </a:r>
+            <a:r>
+              <a:rPr lang="it-IT" sz="4000"/>
+              <a:t>:</a:t>
+            </a:r>
+            <a:br>
+              <a:rPr lang="it-IT" sz="3200"/>
+            </a:br>
+            <a:r>
+              <a:rPr lang="it-IT" sz="3200"/>
+              <a:t>Feature-</a:t>
+            </a:r>
+            <a:r>
+              <a:rPr lang="it-IT" sz="3200" err="1"/>
+              <a:t>based</a:t>
+            </a:r>
+            <a:r>
+              <a:rPr lang="it-IT" sz="3200"/>
+              <a:t> clustering</a:t>
+            </a:r>
+          </a:p>
+        </p:txBody>
+      </p:sp>
+      <p:sp>
+        <p:nvSpPr>
+          <p:cNvPr id="5" name="Segnaposto numero diapositiva 4">
+            <a:extLst>
+              <a:ext uri="{FF2B5EF4-FFF2-40B4-BE49-F238E27FC236}">
+                <a16:creationId xmlns:a16="http://schemas.microsoft.com/office/drawing/2014/main" id="{AB744071-0CE2-7746-9315-22EC28A0F462}"/>
+              </a:ext>
+            </a:extLst>
+          </p:cNvPr>
+          <p:cNvSpPr>
+            <a:spLocks noGrp="1"/>
+          </p:cNvSpPr>
+          <p:nvPr>
+            <p:ph type="sldNum" sz="quarter" idx="23"/>
+          </p:nvPr>
+        </p:nvSpPr>
+        <p:spPr/>
+        <p:txBody>
+          <a:bodyPr rtlCol="0"/>
+          <a:lstStyle/>
+          <a:p>
+            <a:pPr rtl="0"/>
+            <a:fld id="{294A09A9-5501-47C1-A89A-A340965A2BE2}" type="slidenum">
+              <a:rPr lang="it-IT" smtClean="0"/>
+              <a:pPr rtl="0"/>
+              <a:t>22</a:t>
             </a:fld>
             <a:endParaRPr lang="it-IT"/>
           </a:p>
@@ -19831,7 +20385,7 @@
 </p:sld>
 </file>
 
-<file path=ppt/slides/slide22.xml><?xml version="1.0" encoding="utf-8"?>
+<file path=ppt/slides/slide23.xml><?xml version="1.0" encoding="utf-8"?>
 <p:sld xmlns:a="http://schemas.openxmlformats.org/drawingml/2006/main" xmlns:r="http://schemas.openxmlformats.org/officeDocument/2006/relationships" xmlns:p="http://schemas.openxmlformats.org/presentationml/2006/main">
   <p:cSld>
     <p:spTree>
@@ -22616,14 +23170,10 @@
             <a:p>
               <a:pPr algn="ctr"/>
               <a:r>
-                <a:rPr lang="en-GB" sz="1400" b="1" dirty="0" err="1"/>
-                <a:t>Ioc</a:t>
+                <a:rPr lang="en-GB" sz="1400" b="1"/>
+                <a:t>Ioc distribution</a:t>
               </a:r>
-              <a:r>
-                <a:rPr lang="en-GB" sz="1400" b="1" dirty="0"/>
-                <a:t> distribution</a:t>
-              </a:r>
-              <a:endParaRPr lang="it-IT" sz="1400" b="1" dirty="0"/>
+              <a:endParaRPr lang="it-IT" sz="1400" b="1"/>
             </a:p>
           </p:txBody>
         </p:sp>
@@ -22714,10 +23264,10 @@
             <a:p>
               <a:pPr algn="ctr"/>
               <a:r>
-                <a:rPr lang="en-GB" sz="1400" b="1" dirty="0"/>
+                <a:rPr lang="en-GB" sz="1400" b="1"/>
                 <a:t>Age distribution</a:t>
               </a:r>
-              <a:endParaRPr lang="it-IT" sz="1400" b="1" dirty="0"/>
+              <a:endParaRPr lang="it-IT" sz="1400" b="1"/>
             </a:p>
           </p:txBody>
         </p:sp>
@@ -22808,10 +23358,10 @@
             <a:p>
               <a:pPr algn="ctr"/>
               <a:r>
-                <a:rPr lang="en-GB" sz="1400" b="1" dirty="0"/>
+                <a:rPr lang="en-GB" sz="1400" b="1"/>
                 <a:t>Sex distribution</a:t>
               </a:r>
-              <a:endParaRPr lang="it-IT" sz="1400" b="1" dirty="0"/>
+              <a:endParaRPr lang="it-IT" sz="1400" b="1"/>
             </a:p>
           </p:txBody>
         </p:sp>
@@ -23783,15 +24333,6 @@
 </file>
 
 <file path=customXml/item1.xml><?xml version="1.0" encoding="utf-8"?>
-<?mso-contentType ?>
-<FormTemplates xmlns="http://schemas.microsoft.com/sharepoint/v3/contenttype/forms">
-  <Display>DocumentLibraryForm</Display>
-  <Edit>DocumentLibraryForm</Edit>
-  <New>DocumentLibraryForm</New>
-</FormTemplates>
-</file>
-
-<file path=customXml/item2.xml><?xml version="1.0" encoding="utf-8"?>
 <ct:contentTypeSchema xmlns:ct="http://schemas.microsoft.com/office/2006/metadata/contentType" xmlns:ma="http://schemas.microsoft.com/office/2006/metadata/properties/metaAttributes" ct:_="" ma:_="" ma:contentTypeName="Document" ma:contentTypeID="0x01010079F111ED35F8CC479449609E8A0923A6" ma:contentTypeVersion="12" ma:contentTypeDescription="Create a new document." ma:contentTypeScope="" ma:versionID="426e97fa315356fffbdcd9876fe988c2">
   <xsd:schema xmlns:xsd="http://www.w3.org/2001/XMLSchema" xmlns:xs="http://www.w3.org/2001/XMLSchema" xmlns:p="http://schemas.microsoft.com/office/2006/metadata/properties" xmlns:ns2="71af3243-3dd4-4a8d-8c0d-dd76da1f02a5" xmlns:ns3="16c05727-aa75-4e4a-9b5f-8a80a1165891" targetNamespace="http://schemas.microsoft.com/office/2006/metadata/properties" ma:root="true" ma:fieldsID="14b8f0def80e6d70ce3def20c90759ae" ns2:_="" ns3:_="">
     <xsd:import namespace="71af3243-3dd4-4a8d-8c0d-dd76da1f02a5"/>
@@ -24012,6 +24553,15 @@
 </ct:contentTypeSchema>
 </file>
 
+<file path=customXml/item2.xml><?xml version="1.0" encoding="utf-8"?>
+<?mso-contentType ?>
+<FormTemplates xmlns="http://schemas.microsoft.com/sharepoint/v3/contenttype/forms">
+  <Display>DocumentLibraryForm</Display>
+  <Edit>DocumentLibraryForm</Edit>
+  <New>DocumentLibraryForm</New>
+</FormTemplates>
+</file>
+
 <file path=customXml/item3.xml><?xml version="1.0" encoding="utf-8"?>
 <p:properties xmlns:p="http://schemas.microsoft.com/office/2006/metadata/properties" xmlns:xsi="http://www.w3.org/2001/XMLSchema-instance" xmlns:pc="http://schemas.microsoft.com/office/infopath/2007/PartnerControls">
   <documentManagement>
@@ -24022,14 +24572,6 @@
 </file>
 
 <file path=customXml/itemProps1.xml><?xml version="1.0" encoding="utf-8"?>
-<ds:datastoreItem xmlns:ds="http://schemas.openxmlformats.org/officeDocument/2006/customXml" ds:itemID="{1D20B6E4-879E-4E6C-BDE7-261540CD3765}">
-  <ds:schemaRefs>
-    <ds:schemaRef ds:uri="http://schemas.microsoft.com/sharepoint/v3/contenttype/forms"/>
-  </ds:schemaRefs>
-</ds:datastoreItem>
-</file>
-
-<file path=customXml/itemProps2.xml><?xml version="1.0" encoding="utf-8"?>
 <ds:datastoreItem xmlns:ds="http://schemas.openxmlformats.org/officeDocument/2006/customXml" ds:itemID="{94F21D10-BD83-491A-AAA6-945C2DB1EB01}">
   <ds:schemaRefs>
     <ds:schemaRef ds:uri="16c05727-aa75-4e4a-9b5f-8a80a1165891"/>
@@ -24043,7 +24585,16 @@
     <ds:schemaRef ds:uri="http://schemas.microsoft.com/office/2006/metadata/properties/metaAttributes"/>
     <ds:schemaRef ds:uri="http://schemas.microsoft.com/office/infopath/2007/PartnerControls"/>
     <ds:schemaRef ds:uri="http://schemas.openxmlformats.org/package/2006/metadata/core-properties"/>
+    <ds:schemaRef ds:uri="http://www.w3.org/2000/xmlns/"/>
     <ds:schemaRef ds:uri="http://www.w3.org/2001/XMLSchema"/>
+  </ds:schemaRefs>
+</ds:datastoreItem>
+</file>
+
+<file path=customXml/itemProps2.xml><?xml version="1.0" encoding="utf-8"?>
+<ds:datastoreItem xmlns:ds="http://schemas.openxmlformats.org/officeDocument/2006/customXml" ds:itemID="{1D20B6E4-879E-4E6C-BDE7-261540CD3765}">
+  <ds:schemaRefs>
+    <ds:schemaRef ds:uri="http://schemas.microsoft.com/sharepoint/v3/contenttype/forms"/>
   </ds:schemaRefs>
 </ds:datastoreItem>
 </file>
@@ -24051,16 +24602,16 @@
 <file path=customXml/itemProps3.xml><?xml version="1.0" encoding="utf-8"?>
 <ds:datastoreItem xmlns:ds="http://schemas.openxmlformats.org/officeDocument/2006/customXml" ds:itemID="{09EC1AB0-9704-404D-B6D3-819D938AC55B}">
   <ds:schemaRefs>
+    <ds:schemaRef ds:uri="http://www.w3.org/XML/1998/namespace"/>
+    <ds:schemaRef ds:uri="http://schemas.openxmlformats.org/package/2006/metadata/core-properties"/>
     <ds:schemaRef ds:uri="16c05727-aa75-4e4a-9b5f-8a80a1165891"/>
-    <ds:schemaRef ds:uri="71af3243-3dd4-4a8d-8c0d-dd76da1f02a5"/>
+    <ds:schemaRef ds:uri="http://schemas.microsoft.com/office/2006/documentManagement/types"/>
     <ds:schemaRef ds:uri="http://purl.org/dc/dcmitype/"/>
     <ds:schemaRef ds:uri="http://purl.org/dc/elements/1.1/"/>
-    <ds:schemaRef ds:uri="http://purl.org/dc/terms/"/>
-    <ds:schemaRef ds:uri="http://schemas.microsoft.com/office/2006/documentManagement/types"/>
     <ds:schemaRef ds:uri="http://schemas.microsoft.com/office/2006/metadata/properties"/>
     <ds:schemaRef ds:uri="http://schemas.microsoft.com/office/infopath/2007/PartnerControls"/>
-    <ds:schemaRef ds:uri="http://schemas.openxmlformats.org/package/2006/metadata/core-properties"/>
-    <ds:schemaRef ds:uri="http://www.w3.org/XML/1998/namespace"/>
+    <ds:schemaRef ds:uri="71af3243-3dd4-4a8d-8c0d-dd76da1f02a5"/>
+    <ds:schemaRef ds:uri="http://purl.org/dc/terms/"/>
   </ds:schemaRefs>
 </ds:datastoreItem>
 </file>